--- a/122/NETCONF/netconf-nmop-interim-draft-ietf-nmop-yang-message-broker-integration-06.pptx
+++ b/122/NETCONF/netconf-nmop-interim-draft-ietf-nmop-yang-message-broker-integration-06.pptx
@@ -137,7 +137,7 @@
   <pc:docChgLst>
     <pc:chgData name="Graf Thomas, INI-NET-VNC-E2E" userId="487bc3e3-9ce7-4cdd-b7b4-8899ea88d289" providerId="ADAL" clId="{7E675CCB-07F9-44C0-BAAC-BD9446840455}"/>
     <pc:docChg chg="undo custSel addSld delSld modSld sldOrd">
-      <pc:chgData name="Graf Thomas, INI-NET-VNC-E2E" userId="487bc3e3-9ce7-4cdd-b7b4-8899ea88d289" providerId="ADAL" clId="{7E675CCB-07F9-44C0-BAAC-BD9446840455}" dt="2025-02-06T10:02:20.260" v="1526" actId="20577"/>
+      <pc:chgData name="Graf Thomas, INI-NET-VNC-E2E" userId="487bc3e3-9ce7-4cdd-b7b4-8899ea88d289" providerId="ADAL" clId="{7E675CCB-07F9-44C0-BAAC-BD9446840455}" dt="2025-02-06T14:42:14.949" v="1878" actId="20577"/>
       <pc:docMkLst>
         <pc:docMk/>
       </pc:docMkLst>
@@ -208,13 +208,13 @@
         </pc:spChg>
       </pc:sldChg>
       <pc:sldChg chg="addSp modSp add mod ord">
-        <pc:chgData name="Graf Thomas, INI-NET-VNC-E2E" userId="487bc3e3-9ce7-4cdd-b7b4-8899ea88d289" providerId="ADAL" clId="{7E675CCB-07F9-44C0-BAAC-BD9446840455}" dt="2025-02-06T09:43:30.637" v="971"/>
+        <pc:chgData name="Graf Thomas, INI-NET-VNC-E2E" userId="487bc3e3-9ce7-4cdd-b7b4-8899ea88d289" providerId="ADAL" clId="{7E675CCB-07F9-44C0-BAAC-BD9446840455}" dt="2025-02-06T14:42:14.949" v="1878" actId="20577"/>
         <pc:sldMkLst>
           <pc:docMk/>
           <pc:sldMk cId="2701002203" sldId="2145706256"/>
         </pc:sldMkLst>
         <pc:spChg chg="mod">
-          <ac:chgData name="Graf Thomas, INI-NET-VNC-E2E" userId="487bc3e3-9ce7-4cdd-b7b4-8899ea88d289" providerId="ADAL" clId="{7E675CCB-07F9-44C0-BAAC-BD9446840455}" dt="2025-02-06T09:24:15.963" v="828" actId="13926"/>
+          <ac:chgData name="Graf Thomas, INI-NET-VNC-E2E" userId="487bc3e3-9ce7-4cdd-b7b4-8899ea88d289" providerId="ADAL" clId="{7E675CCB-07F9-44C0-BAAC-BD9446840455}" dt="2025-02-06T14:42:14.949" v="1878" actId="20577"/>
           <ac:spMkLst>
             <pc:docMk/>
             <pc:sldMk cId="2701002203" sldId="2145706256"/>
@@ -255,13 +255,13 @@
         </pc:spChg>
       </pc:sldChg>
       <pc:sldChg chg="addSp delSp modSp add mod">
-        <pc:chgData name="Graf Thomas, INI-NET-VNC-E2E" userId="487bc3e3-9ce7-4cdd-b7b4-8899ea88d289" providerId="ADAL" clId="{7E675CCB-07F9-44C0-BAAC-BD9446840455}" dt="2025-02-06T09:58:41.148" v="1524" actId="1076"/>
+        <pc:chgData name="Graf Thomas, INI-NET-VNC-E2E" userId="487bc3e3-9ce7-4cdd-b7b4-8899ea88d289" providerId="ADAL" clId="{7E675CCB-07F9-44C0-BAAC-BD9446840455}" dt="2025-02-06T14:36:48.303" v="1560" actId="478"/>
         <pc:sldMkLst>
           <pc:docMk/>
           <pc:sldMk cId="2684272815" sldId="2145706258"/>
         </pc:sldMkLst>
-        <pc:spChg chg="add mod">
-          <ac:chgData name="Graf Thomas, INI-NET-VNC-E2E" userId="487bc3e3-9ce7-4cdd-b7b4-8899ea88d289" providerId="ADAL" clId="{7E675CCB-07F9-44C0-BAAC-BD9446840455}" dt="2025-02-06T09:48:38.845" v="1134" actId="1037"/>
+        <pc:spChg chg="add del mod">
+          <ac:chgData name="Graf Thomas, INI-NET-VNC-E2E" userId="487bc3e3-9ce7-4cdd-b7b4-8899ea88d289" providerId="ADAL" clId="{7E675CCB-07F9-44C0-BAAC-BD9446840455}" dt="2025-02-06T14:36:48.303" v="1560" actId="478"/>
           <ac:spMkLst>
             <pc:docMk/>
             <pc:sldMk cId="2684272815" sldId="2145706258"/>
@@ -400,7 +400,7 @@
         </pc:sldMkLst>
       </pc:sldChg>
       <pc:sldChg chg="addSp delSp modSp add mod">
-        <pc:chgData name="Graf Thomas, INI-NET-VNC-E2E" userId="487bc3e3-9ce7-4cdd-b7b4-8899ea88d289" providerId="ADAL" clId="{7E675CCB-07F9-44C0-BAAC-BD9446840455}" dt="2025-02-06T09:46:42.774" v="1114" actId="20577"/>
+        <pc:chgData name="Graf Thomas, INI-NET-VNC-E2E" userId="487bc3e3-9ce7-4cdd-b7b4-8899ea88d289" providerId="ADAL" clId="{7E675CCB-07F9-44C0-BAAC-BD9446840455}" dt="2025-02-06T14:38:12.958" v="1681" actId="21"/>
         <pc:sldMkLst>
           <pc:docMk/>
           <pc:sldMk cId="1170693214" sldId="2145706272"/>
@@ -414,7 +414,7 @@
           </ac:spMkLst>
         </pc:spChg>
         <pc:spChg chg="mod">
-          <ac:chgData name="Graf Thomas, INI-NET-VNC-E2E" userId="487bc3e3-9ce7-4cdd-b7b4-8899ea88d289" providerId="ADAL" clId="{7E675CCB-07F9-44C0-BAAC-BD9446840455}" dt="2025-02-06T09:46:42.774" v="1114" actId="20577"/>
+          <ac:chgData name="Graf Thomas, INI-NET-VNC-E2E" userId="487bc3e3-9ce7-4cdd-b7b4-8899ea88d289" providerId="ADAL" clId="{7E675CCB-07F9-44C0-BAAC-BD9446840455}" dt="2025-02-06T14:38:12.958" v="1681" actId="21"/>
           <ac:spMkLst>
             <pc:docMk/>
             <pc:sldMk cId="1170693214" sldId="2145706272"/>
@@ -2126,6 +2126,90 @@
           <a:p>
             <a:fld id="{2BBC52A0-2F3F-497F-8536-39D60282E9C2}" type="slidenum">
               <a:rPr lang="de-CH" smtClean="0"/>
+              <a:t>5</a:t>
+            </a:fld>
+            <a:endParaRPr lang="de-CH"/>
+          </a:p>
+        </p:txBody>
+      </p:sp>
+    </p:spTree>
+    <p:extLst>
+      <p:ext uri="{BB962C8B-B14F-4D97-AF65-F5344CB8AC3E}">
+        <p14:creationId xmlns:p14="http://schemas.microsoft.com/office/powerpoint/2010/main" val="3256485496"/>
+      </p:ext>
+    </p:extLst>
+  </p:cSld>
+  <p:clrMapOvr>
+    <a:masterClrMapping/>
+  </p:clrMapOvr>
+</p:notes>
+</file>
+
+<file path=ppt/notesSlides/notesSlide4.xml><?xml version="1.0" encoding="utf-8"?>
+<p:notes xmlns:a="http://schemas.openxmlformats.org/drawingml/2006/main" xmlns:r="http://schemas.openxmlformats.org/officeDocument/2006/relationships" xmlns:p="http://schemas.openxmlformats.org/presentationml/2006/main">
+  <p:cSld>
+    <p:spTree>
+      <p:nvGrpSpPr>
+        <p:cNvPr id="1" name=""/>
+        <p:cNvGrpSpPr/>
+        <p:nvPr/>
+      </p:nvGrpSpPr>
+      <p:grpSpPr>
+        <a:xfrm>
+          <a:off x="0" y="0"/>
+          <a:ext cx="0" cy="0"/>
+          <a:chOff x="0" y="0"/>
+          <a:chExt cx="0" cy="0"/>
+        </a:xfrm>
+      </p:grpSpPr>
+      <p:sp>
+        <p:nvSpPr>
+          <p:cNvPr id="2" name="Slide Image Placeholder 1"/>
+          <p:cNvSpPr>
+            <a:spLocks noGrp="1" noRot="1" noChangeAspect="1"/>
+          </p:cNvSpPr>
+          <p:nvPr>
+            <p:ph type="sldImg"/>
+          </p:nvPr>
+        </p:nvSpPr>
+        <p:spPr/>
+      </p:sp>
+      <p:sp>
+        <p:nvSpPr>
+          <p:cNvPr id="3" name="Notes Placeholder 2"/>
+          <p:cNvSpPr>
+            <a:spLocks noGrp="1"/>
+          </p:cNvSpPr>
+          <p:nvPr>
+            <p:ph type="body" idx="1"/>
+          </p:nvPr>
+        </p:nvSpPr>
+        <p:spPr/>
+        <p:txBody>
+          <a:bodyPr/>
+          <a:lstStyle/>
+          <a:p>
+            <a:endParaRPr lang="de-CH" dirty="0"/>
+          </a:p>
+        </p:txBody>
+      </p:sp>
+      <p:sp>
+        <p:nvSpPr>
+          <p:cNvPr id="4" name="Slide Number Placeholder 3"/>
+          <p:cNvSpPr>
+            <a:spLocks noGrp="1"/>
+          </p:cNvSpPr>
+          <p:nvPr>
+            <p:ph type="sldNum" sz="quarter" idx="5"/>
+          </p:nvPr>
+        </p:nvSpPr>
+        <p:spPr/>
+        <p:txBody>
+          <a:bodyPr/>
+          <a:lstStyle/>
+          <a:p>
+            <a:fld id="{2BBC52A0-2F3F-497F-8536-39D60282E9C2}" type="slidenum">
+              <a:rPr lang="de-CH" smtClean="0"/>
               <a:t>7</a:t>
             </a:fld>
             <a:endParaRPr lang="de-CH"/>
@@ -2145,7 +2229,7 @@
 </p:notes>
 </file>
 
-<file path=ppt/notesSlides/notesSlide4.xml><?xml version="1.0" encoding="utf-8"?>
+<file path=ppt/notesSlides/notesSlide5.xml><?xml version="1.0" encoding="utf-8"?>
 <p:notes xmlns:a="http://schemas.openxmlformats.org/drawingml/2006/main" xmlns:r="http://schemas.openxmlformats.org/officeDocument/2006/relationships" xmlns:p="http://schemas.openxmlformats.org/presentationml/2006/main" showMasterSp="0" showMasterPhAnim="0">
   <p:cSld>
     <p:spTree>
@@ -6521,62 +6605,6 @@
       </p:pic>
       <p:sp>
         <p:nvSpPr>
-          <p:cNvPr id="4" name="Oval 3">
-            <a:extLst>
-              <a:ext uri="{FF2B5EF4-FFF2-40B4-BE49-F238E27FC236}">
-                <a16:creationId xmlns:a16="http://schemas.microsoft.com/office/drawing/2014/main" id="{A9CD1D68-6740-B60A-B5C6-3012DD46A668}"/>
-              </a:ext>
-            </a:extLst>
-          </p:cNvPr>
-          <p:cNvSpPr/>
-          <p:nvPr/>
-        </p:nvSpPr>
-        <p:spPr>
-          <a:xfrm>
-            <a:off x="2396925" y="5921279"/>
-            <a:ext cx="613192" cy="627308"/>
-          </a:xfrm>
-          <a:prstGeom prst="ellipse">
-            <a:avLst/>
-          </a:prstGeom>
-          <a:solidFill>
-            <a:srgbClr val="FF0000">
-              <a:alpha val="20000"/>
-            </a:srgbClr>
-          </a:solidFill>
-          <a:ln>
-            <a:solidFill>
-              <a:srgbClr val="FF0000"/>
-            </a:solidFill>
-          </a:ln>
-        </p:spPr>
-        <p:style>
-          <a:lnRef idx="2">
-            <a:schemeClr val="accent1">
-              <a:shade val="50000"/>
-            </a:schemeClr>
-          </a:lnRef>
-          <a:fillRef idx="1">
-            <a:schemeClr val="accent1"/>
-          </a:fillRef>
-          <a:effectRef idx="0">
-            <a:schemeClr val="accent1"/>
-          </a:effectRef>
-          <a:fontRef idx="minor">
-            <a:schemeClr val="lt1"/>
-          </a:fontRef>
-        </p:style>
-        <p:txBody>
-          <a:bodyPr rtlCol="0" anchor="ctr"/>
-          <a:lstStyle/>
-          <a:p>
-            <a:pPr algn="ctr"/>
-            <a:endParaRPr lang="de-CH"/>
-          </a:p>
-        </p:txBody>
-      </p:sp>
-      <p:sp>
-        <p:nvSpPr>
           <p:cNvPr id="13" name="Oval 12">
             <a:extLst>
               <a:ext uri="{FF2B5EF4-FFF2-40B4-BE49-F238E27FC236}">
@@ -6861,6 +6889,23 @@
                 <a:ea typeface="Times New Roman" panose="02020603050405020304" pitchFamily="18" charset="0"/>
                 <a:cs typeface="Times New Roman" panose="02020603050405020304" pitchFamily="18" charset="0"/>
               </a:rPr>
+              <a:t> </a:t>
+            </a:r>
+            <a:r>
+              <a:rPr lang="en-US" sz="1700" dirty="0">
+                <a:solidFill>
+                  <a:srgbClr val="FF0000"/>
+                </a:solidFill>
+                <a:cs typeface="Times New Roman" panose="02020603050405020304" pitchFamily="18" charset="0"/>
+              </a:rPr>
+              <a:t>(details on slide 5)</a:t>
+            </a:r>
+            <a:r>
+              <a:rPr lang="en-US" sz="1700" dirty="0">
+                <a:effectLst/>
+                <a:ea typeface="Times New Roman" panose="02020603050405020304" pitchFamily="18" charset="0"/>
+                <a:cs typeface="Times New Roman" panose="02020603050405020304" pitchFamily="18" charset="0"/>
+              </a:rPr>
               <a:t> changes are incorporated.</a:t>
             </a:r>
           </a:p>
@@ -6907,20 +6952,20 @@
               <a:rPr lang="en-US" sz="1700" dirty="0">
                 <a:cs typeface="Times New Roman" panose="02020603050405020304" pitchFamily="18" charset="0"/>
               </a:rPr>
-              <a:t>, sub-tree filter module name, revision, revision-label or YANG </a:t>
-            </a:r>
-            <a:r>
-              <a:rPr lang="en-US" sz="1700" dirty="0" err="1">
+              <a:t>, sub-tree filter module name, revision, revision-label or </a:t>
+            </a:r>
+            <a:r>
+              <a:rPr lang="en-US" sz="1700" dirty="0">
+                <a:solidFill>
+                  <a:srgbClr val="FF0000"/>
+                </a:solidFill>
                 <a:cs typeface="Times New Roman" panose="02020603050405020304" pitchFamily="18" charset="0"/>
               </a:rPr>
-              <a:t>Libary</a:t>
-            </a:r>
-            <a:r>
-              <a:rPr lang="en-US" sz="1700" dirty="0">
-                <a:cs typeface="Times New Roman" panose="02020603050405020304" pitchFamily="18" charset="0"/>
-              </a:rPr>
-              <a:t> content-id.</a:t>
-            </a:r>
+              <a:t>YANG Library content-id. </a:t>
+            </a:r>
+            <a:endParaRPr lang="en-US" sz="1700" dirty="0">
+              <a:cs typeface="Times New Roman" panose="02020603050405020304" pitchFamily="18" charset="0"/>
+            </a:endParaRPr>
           </a:p>
           <a:p>
             <a:pPr marL="457200" lvl="1" indent="0">
@@ -7779,8 +7824,8 @@
         </p:nvSpPr>
         <p:spPr>
           <a:xfrm>
-            <a:off x="6326155" y="1544102"/>
-            <a:ext cx="5358571" cy="4823449"/>
+            <a:off x="5876925" y="1544102"/>
+            <a:ext cx="6125218" cy="4823449"/>
           </a:xfrm>
         </p:spPr>
         <p:txBody>
@@ -7790,92 +7835,134 @@
           <a:lstStyle/>
           <a:p>
             <a:r>
-              <a:rPr lang="en-US" sz="1700" b="1" dirty="0"/>
+              <a:rPr lang="en-US" sz="1600" b="1" dirty="0"/>
               <a:t>Network operators need to control semantics in its data processing pipeline. That includes YANG-Push.</a:t>
             </a:r>
           </a:p>
           <a:p>
             <a:r>
-              <a:rPr lang="en-US" sz="1700" dirty="0"/>
+              <a:rPr lang="en-US" sz="1600" dirty="0"/>
               <a:t>This is today only possible during YANG-Push subscription but not when nodes are being upgraded or when messages are being published for configured subscription.</a:t>
             </a:r>
           </a:p>
           <a:p>
             <a:r>
-              <a:rPr lang="en-US" sz="1700" dirty="0">
-                <a:hlinkClick r:id="rId2"/>
+              <a:rPr lang="en-US" sz="1600" dirty="0">
+                <a:hlinkClick r:id="rId3"/>
               </a:rPr>
               <a:t>draft-</a:t>
             </a:r>
             <a:r>
-              <a:rPr lang="en-US" sz="1700" dirty="0" err="1">
-                <a:hlinkClick r:id="rId2"/>
+              <a:rPr lang="en-US" sz="1600" dirty="0" err="1">
+                <a:hlinkClick r:id="rId3"/>
               </a:rPr>
               <a:t>ietf</a:t>
             </a:r>
             <a:r>
-              <a:rPr lang="en-US" sz="1700" dirty="0">
-                <a:hlinkClick r:id="rId2"/>
+              <a:rPr lang="en-US" sz="1600" dirty="0">
+                <a:hlinkClick r:id="rId3"/>
               </a:rPr>
               <a:t>-netconf-yang-notifications-versioning</a:t>
             </a:r>
             <a:r>
-              <a:rPr lang="en-US" sz="1700" dirty="0"/>
+              <a:rPr lang="en-US" sz="1600" dirty="0"/>
               <a:t> extends the YANG push subscription and publishing mechanism defined in </a:t>
             </a:r>
             <a:r>
-              <a:rPr lang="en-US" sz="1700" dirty="0">
-                <a:hlinkClick r:id="rId3"/>
+              <a:rPr lang="en-US" sz="1600" dirty="0">
+                <a:hlinkClick r:id="rId4"/>
               </a:rPr>
               <a:t>RFC 8641</a:t>
             </a:r>
             <a:r>
-              <a:rPr lang="en-US" sz="1700" dirty="0"/>
+              <a:rPr lang="en-US" sz="1600" dirty="0"/>
               <a:t>:</a:t>
             </a:r>
           </a:p>
           <a:p>
             <a:pPr lvl="1"/>
             <a:r>
-              <a:rPr lang="en-US" sz="1700" b="1" dirty="0"/>
+              <a:rPr lang="en-US" sz="1600" b="1" dirty="0"/>
               <a:t>By adding the ability to subscribe to a specific revision </a:t>
             </a:r>
             <a:r>
-              <a:rPr lang="en-US" sz="1700" dirty="0"/>
+              <a:rPr lang="en-US" sz="1600" dirty="0"/>
               <a:t>or latest-compatible-</a:t>
             </a:r>
             <a:r>
-              <a:rPr lang="en-US" sz="1700" dirty="0" err="1"/>
+              <a:rPr lang="en-US" sz="1600" dirty="0" err="1"/>
               <a:t>semversion</a:t>
             </a:r>
             <a:r>
-              <a:rPr lang="en-US" sz="1700" dirty="0"/>
+              <a:rPr lang="en-US" sz="1600" dirty="0"/>
               <a:t> of one or more yang modules.</a:t>
             </a:r>
           </a:p>
           <a:p>
             <a:pPr lvl="1"/>
             <a:r>
-              <a:rPr lang="en-US" sz="1700" b="1" dirty="0"/>
+              <a:rPr lang="en-US" sz="1600" b="1" dirty="0"/>
               <a:t>By extending the YANG push Subscription State Change Notifications Message </a:t>
             </a:r>
             <a:r>
-              <a:rPr lang="en-US" sz="1700" dirty="0"/>
+              <a:rPr lang="en-US" sz="1600" dirty="0"/>
               <a:t>so that the YANG push receiver learns beside the </a:t>
             </a:r>
             <a:r>
-              <a:rPr lang="en-US" sz="1700" dirty="0" err="1"/>
+              <a:rPr lang="en-US" sz="1600" dirty="0" err="1"/>
               <a:t>xpath</a:t>
             </a:r>
             <a:r>
-              <a:rPr lang="en-US" sz="1700" dirty="0"/>
-              <a:t> and the sub-tree filter also the yang module name, revision, revision-label and the yang-library-content-id.</a:t>
-            </a:r>
+              <a:rPr lang="en-US" sz="1600" dirty="0"/>
+              <a:t> and the sub-tree filter also the yang module name, revision, revision-label and the yang-library-content-id. </a:t>
+            </a:r>
+            <a:br>
+              <a:rPr lang="en-US" sz="1600" dirty="0"/>
+            </a:br>
+            <a:br>
+              <a:rPr lang="en-US" sz="1600" dirty="0"/>
+            </a:br>
+            <a:r>
+              <a:rPr lang="en-US" sz="1600" dirty="0">
+                <a:solidFill>
+                  <a:srgbClr val="FF0000"/>
+                </a:solidFill>
+                <a:cs typeface="Times New Roman" panose="02020603050405020304" pitchFamily="18" charset="0"/>
+              </a:rPr>
+              <a:t>With YANG Library content-id a YANG-Push receiver is now able to detect changes in the YANG library. This includes also the imported YANG modules of the subscribed </a:t>
+            </a:r>
+            <a:r>
+              <a:rPr lang="en-US" sz="1600" dirty="0" err="1">
+                <a:solidFill>
+                  <a:srgbClr val="FF0000"/>
+                </a:solidFill>
+                <a:cs typeface="Times New Roman" panose="02020603050405020304" pitchFamily="18" charset="0"/>
+              </a:rPr>
+              <a:t>xpath</a:t>
+            </a:r>
+            <a:r>
+              <a:rPr lang="en-US" sz="1600">
+                <a:solidFill>
+                  <a:srgbClr val="FF0000"/>
+                </a:solidFill>
+                <a:cs typeface="Times New Roman" panose="02020603050405020304" pitchFamily="18" charset="0"/>
+              </a:rPr>
+              <a:t>.</a:t>
+            </a:r>
+            <a:br>
+              <a:rPr lang="en-US" sz="1600">
+                <a:solidFill>
+                  <a:srgbClr val="FF0000"/>
+                </a:solidFill>
+                <a:cs typeface="Times New Roman" panose="02020603050405020304" pitchFamily="18" charset="0"/>
+              </a:rPr>
+            </a:br>
+            <a:endParaRPr lang="en-US" sz="1600" dirty="0"/>
           </a:p>
           <a:p>
             <a:pPr lvl="1"/>
             <a:r>
-              <a:rPr lang="en-US" sz="1700" dirty="0">
+              <a:rPr lang="en-US" sz="1600" dirty="0">
                 <a:highlight>
                   <a:srgbClr val="00FFFF"/>
                 </a:highlight>
@@ -7883,16 +7970,16 @@
               <a:t>Extends </a:t>
             </a:r>
             <a:r>
-              <a:rPr lang="en-US" sz="1700" dirty="0">
+              <a:rPr lang="en-US" sz="1600" dirty="0">
                 <a:highlight>
                   <a:srgbClr val="00FFFF"/>
                 </a:highlight>
-                <a:hlinkClick r:id="rId4"/>
+                <a:hlinkClick r:id="rId5"/>
               </a:rPr>
               <a:t>RFC 9196 </a:t>
             </a:r>
             <a:r>
-              <a:rPr lang="en-US" sz="1700" dirty="0">
+              <a:rPr lang="en-US" sz="1600" dirty="0">
                 <a:highlight>
                   <a:srgbClr val="00FFFF"/>
                 </a:highlight>
@@ -7900,7 +7987,7 @@
               <a:t>defined subscription-capabilities with a </a:t>
             </a:r>
             <a:r>
-              <a:rPr lang="en-US" sz="1700" b="1" dirty="0">
+              <a:rPr lang="en-US" sz="1600" b="1" dirty="0">
                 <a:highlight>
                   <a:srgbClr val="00FFFF"/>
                 </a:highlight>
@@ -7908,7 +7995,7 @@
               <a:t>yang-push-module-revision-supported</a:t>
             </a:r>
             <a:r>
-              <a:rPr lang="en-US" sz="1700" dirty="0">
+              <a:rPr lang="en-US" sz="1600" dirty="0">
                 <a:highlight>
                   <a:srgbClr val="00FFFF"/>
                 </a:highlight>

--- a/122/NETCONF/netconf-nmop-interim-draft-ietf-nmop-yang-message-broker-integration-06.pptx
+++ b/122/NETCONF/netconf-nmop-interim-draft-ietf-nmop-yang-message-broker-integration-06.pptx
@@ -137,7 +137,7 @@
   <pc:docChgLst>
     <pc:chgData name="Graf Thomas, INI-NET-VNC-E2E" userId="487bc3e3-9ce7-4cdd-b7b4-8899ea88d289" providerId="ADAL" clId="{7E675CCB-07F9-44C0-BAAC-BD9446840455}"/>
     <pc:docChg chg="undo custSel addSld delSld modSld sldOrd">
-      <pc:chgData name="Graf Thomas, INI-NET-VNC-E2E" userId="487bc3e3-9ce7-4cdd-b7b4-8899ea88d289" providerId="ADAL" clId="{7E675CCB-07F9-44C0-BAAC-BD9446840455}" dt="2025-02-06T14:42:14.949" v="1878" actId="20577"/>
+      <pc:chgData name="Graf Thomas, INI-NET-VNC-E2E" userId="487bc3e3-9ce7-4cdd-b7b4-8899ea88d289" providerId="ADAL" clId="{7E675CCB-07F9-44C0-BAAC-BD9446840455}" dt="2025-02-06T15:16:54.707" v="1893" actId="6549"/>
       <pc:docMkLst>
         <pc:docMk/>
       </pc:docMkLst>
@@ -208,13 +208,13 @@
         </pc:spChg>
       </pc:sldChg>
       <pc:sldChg chg="addSp modSp add mod ord">
-        <pc:chgData name="Graf Thomas, INI-NET-VNC-E2E" userId="487bc3e3-9ce7-4cdd-b7b4-8899ea88d289" providerId="ADAL" clId="{7E675CCB-07F9-44C0-BAAC-BD9446840455}" dt="2025-02-06T14:42:14.949" v="1878" actId="20577"/>
+        <pc:chgData name="Graf Thomas, INI-NET-VNC-E2E" userId="487bc3e3-9ce7-4cdd-b7b4-8899ea88d289" providerId="ADAL" clId="{7E675CCB-07F9-44C0-BAAC-BD9446840455}" dt="2025-02-06T15:16:54.707" v="1893" actId="6549"/>
         <pc:sldMkLst>
           <pc:docMk/>
           <pc:sldMk cId="2701002203" sldId="2145706256"/>
         </pc:sldMkLst>
         <pc:spChg chg="mod">
-          <ac:chgData name="Graf Thomas, INI-NET-VNC-E2E" userId="487bc3e3-9ce7-4cdd-b7b4-8899ea88d289" providerId="ADAL" clId="{7E675CCB-07F9-44C0-BAAC-BD9446840455}" dt="2025-02-06T14:42:14.949" v="1878" actId="20577"/>
+          <ac:chgData name="Graf Thomas, INI-NET-VNC-E2E" userId="487bc3e3-9ce7-4cdd-b7b4-8899ea88d289" providerId="ADAL" clId="{7E675CCB-07F9-44C0-BAAC-BD9446840455}" dt="2025-02-06T15:16:54.707" v="1893" actId="6549"/>
           <ac:spMkLst>
             <pc:docMk/>
             <pc:sldMk cId="2701002203" sldId="2145706256"/>
@@ -7914,7 +7914,7 @@
             </a:r>
             <a:r>
               <a:rPr lang="en-US" sz="1600" dirty="0"/>
-              <a:t> and the sub-tree filter also the yang module name, revision, revision-label and the yang-library-content-id. </a:t>
+              <a:t> and the sub-tree filter also the yang module name, revision, revision-label and the yang-library-content-id.</a:t>
             </a:r>
             <a:br>
               <a:rPr lang="en-US" sz="1600" dirty="0"/>
@@ -7941,7 +7941,7 @@
               <a:t>xpath</a:t>
             </a:r>
             <a:r>
-              <a:rPr lang="en-US" sz="1600">
+              <a:rPr lang="en-US" sz="1600" dirty="0">
                 <a:solidFill>
                   <a:srgbClr val="FF0000"/>
                 </a:solidFill>
@@ -7950,7 +7950,7 @@
               <a:t>.</a:t>
             </a:r>
             <a:br>
-              <a:rPr lang="en-US" sz="1600">
+              <a:rPr lang="en-US" sz="1600" dirty="0">
                 <a:solidFill>
                   <a:srgbClr val="FF0000"/>
                 </a:solidFill>

--- a/122/NETCONF/netconf-nmop-interim-draft-ietf-nmop-yang-message-broker-integration-06.pptx
+++ b/122/NETCONF/netconf-nmop-interim-draft-ietf-nmop-yang-message-broker-integration-06.pptx
@@ -127,7 +127,7 @@
 <file path=ppt/revisionInfo.xml><?xml version="1.0" encoding="utf-8"?>
 <p1510:revInfo xmlns:a="http://schemas.openxmlformats.org/drawingml/2006/main" xmlns:r="http://schemas.openxmlformats.org/officeDocument/2006/relationships" xmlns:p1510="http://schemas.microsoft.com/office/powerpoint/2015/10/main">
   <p1510:revLst>
-    <p1510:client id="{7E675CCB-07F9-44C0-BAAC-BD9446840455}" v="24" dt="2025-02-06T09:52:55.456"/>
+    <p1510:client id="{7E675CCB-07F9-44C0-BAAC-BD9446840455}" v="43" dt="2025-02-07T15:19:27.428"/>
   </p1510:revLst>
 </p1510:revInfo>
 </file>
@@ -137,7 +137,7 @@
   <pc:docChgLst>
     <pc:chgData name="Graf Thomas, INI-NET-VNC-E2E" userId="487bc3e3-9ce7-4cdd-b7b4-8899ea88d289" providerId="ADAL" clId="{7E675CCB-07F9-44C0-BAAC-BD9446840455}"/>
     <pc:docChg chg="undo custSel addSld delSld modSld sldOrd">
-      <pc:chgData name="Graf Thomas, INI-NET-VNC-E2E" userId="487bc3e3-9ce7-4cdd-b7b4-8899ea88d289" providerId="ADAL" clId="{7E675CCB-07F9-44C0-BAAC-BD9446840455}" dt="2025-02-06T15:16:54.707" v="1893" actId="6549"/>
+      <pc:chgData name="Graf Thomas, INI-NET-VNC-E2E" userId="487bc3e3-9ce7-4cdd-b7b4-8899ea88d289" providerId="ADAL" clId="{7E675CCB-07F9-44C0-BAAC-BD9446840455}" dt="2025-02-07T15:25:10.698" v="2544" actId="20577"/>
       <pc:docMkLst>
         <pc:docMk/>
       </pc:docMkLst>
@@ -149,7 +149,7 @@
         </pc:sldMkLst>
       </pc:sldChg>
       <pc:sldChg chg="modSp mod">
-        <pc:chgData name="Graf Thomas, INI-NET-VNC-E2E" userId="487bc3e3-9ce7-4cdd-b7b4-8899ea88d289" providerId="ADAL" clId="{7E675CCB-07F9-44C0-BAAC-BD9446840455}" dt="2025-02-06T10:02:20.260" v="1526" actId="20577"/>
+        <pc:chgData name="Graf Thomas, INI-NET-VNC-E2E" userId="487bc3e3-9ce7-4cdd-b7b4-8899ea88d289" providerId="ADAL" clId="{7E675CCB-07F9-44C0-BAAC-BD9446840455}" dt="2025-02-07T15:25:10.698" v="2544" actId="20577"/>
         <pc:sldMkLst>
           <pc:docMk/>
           <pc:sldMk cId="3578665336" sldId="1041"/>
@@ -163,7 +163,7 @@
           </ac:spMkLst>
         </pc:spChg>
         <pc:spChg chg="mod">
-          <ac:chgData name="Graf Thomas, INI-NET-VNC-E2E" userId="487bc3e3-9ce7-4cdd-b7b4-8899ea88d289" providerId="ADAL" clId="{7E675CCB-07F9-44C0-BAAC-BD9446840455}" dt="2025-02-06T10:02:20.260" v="1526" actId="20577"/>
+          <ac:chgData name="Graf Thomas, INI-NET-VNC-E2E" userId="487bc3e3-9ce7-4cdd-b7b4-8899ea88d289" providerId="ADAL" clId="{7E675CCB-07F9-44C0-BAAC-BD9446840455}" dt="2025-02-07T15:25:10.698" v="2544" actId="20577"/>
           <ac:spMkLst>
             <pc:docMk/>
             <pc:sldMk cId="3578665336" sldId="1041"/>
@@ -255,11 +255,19 @@
         </pc:spChg>
       </pc:sldChg>
       <pc:sldChg chg="addSp delSp modSp add mod">
-        <pc:chgData name="Graf Thomas, INI-NET-VNC-E2E" userId="487bc3e3-9ce7-4cdd-b7b4-8899ea88d289" providerId="ADAL" clId="{7E675CCB-07F9-44C0-BAAC-BD9446840455}" dt="2025-02-06T14:36:48.303" v="1560" actId="478"/>
+        <pc:chgData name="Graf Thomas, INI-NET-VNC-E2E" userId="487bc3e3-9ce7-4cdd-b7b4-8899ea88d289" providerId="ADAL" clId="{7E675CCB-07F9-44C0-BAAC-BD9446840455}" dt="2025-02-07T15:23:20.749" v="2511" actId="20577"/>
         <pc:sldMkLst>
           <pc:docMk/>
           <pc:sldMk cId="2684272815" sldId="2145706258"/>
         </pc:sldMkLst>
+        <pc:spChg chg="mod">
+          <ac:chgData name="Graf Thomas, INI-NET-VNC-E2E" userId="487bc3e3-9ce7-4cdd-b7b4-8899ea88d289" providerId="ADAL" clId="{7E675CCB-07F9-44C0-BAAC-BD9446840455}" dt="2025-02-07T15:23:20.749" v="2511" actId="20577"/>
+          <ac:spMkLst>
+            <pc:docMk/>
+            <pc:sldMk cId="2684272815" sldId="2145706258"/>
+            <ac:spMk id="3" creationId="{29C0DFD4-432D-4B0C-93DF-790441DCF5B9}"/>
+          </ac:spMkLst>
+        </pc:spChg>
         <pc:spChg chg="add del mod">
           <ac:chgData name="Graf Thomas, INI-NET-VNC-E2E" userId="487bc3e3-9ce7-4cdd-b7b4-8899ea88d289" providerId="ADAL" clId="{7E675CCB-07F9-44C0-BAAC-BD9446840455}" dt="2025-02-06T14:36:48.303" v="1560" actId="478"/>
           <ac:spMkLst>
@@ -276,6 +284,14 @@
             <ac:spMk id="5" creationId="{2FA16CA0-B5C5-D597-7EE9-B043AE34C049}"/>
           </ac:spMkLst>
         </pc:spChg>
+        <pc:spChg chg="mod">
+          <ac:chgData name="Graf Thomas, INI-NET-VNC-E2E" userId="487bc3e3-9ce7-4cdd-b7b4-8899ea88d289" providerId="ADAL" clId="{7E675CCB-07F9-44C0-BAAC-BD9446840455}" dt="2025-02-07T15:21:56.726" v="2487" actId="108"/>
+          <ac:spMkLst>
+            <pc:docMk/>
+            <pc:sldMk cId="2684272815" sldId="2145706258"/>
+            <ac:spMk id="6" creationId="{ABB61075-2877-B162-7D8F-97EC17B8DF39}"/>
+          </ac:spMkLst>
+        </pc:spChg>
         <pc:spChg chg="del">
           <ac:chgData name="Graf Thomas, INI-NET-VNC-E2E" userId="487bc3e3-9ce7-4cdd-b7b4-8899ea88d289" providerId="ADAL" clId="{7E675CCB-07F9-44C0-BAAC-BD9446840455}" dt="2025-02-06T09:48:17.267" v="1119" actId="478"/>
           <ac:spMkLst>
@@ -308,16 +324,16 @@
             <ac:spMk id="12" creationId="{D60E4864-7A93-00C0-FAB6-F0D32ABBA12B}"/>
           </ac:spMkLst>
         </pc:spChg>
-        <pc:spChg chg="add mod">
-          <ac:chgData name="Graf Thomas, INI-NET-VNC-E2E" userId="487bc3e3-9ce7-4cdd-b7b4-8899ea88d289" providerId="ADAL" clId="{7E675CCB-07F9-44C0-BAAC-BD9446840455}" dt="2025-02-06T09:58:41.148" v="1524" actId="1076"/>
+        <pc:spChg chg="add del mod">
+          <ac:chgData name="Graf Thomas, INI-NET-VNC-E2E" userId="487bc3e3-9ce7-4cdd-b7b4-8899ea88d289" providerId="ADAL" clId="{7E675CCB-07F9-44C0-BAAC-BD9446840455}" dt="2025-02-07T15:07:25.691" v="1928" actId="478"/>
           <ac:spMkLst>
             <pc:docMk/>
             <pc:sldMk cId="2684272815" sldId="2145706258"/>
             <ac:spMk id="13" creationId="{F1861884-AA79-8041-A708-D4652D546A08}"/>
           </ac:spMkLst>
         </pc:spChg>
-        <pc:spChg chg="add mod">
-          <ac:chgData name="Graf Thomas, INI-NET-VNC-E2E" userId="487bc3e3-9ce7-4cdd-b7b4-8899ea88d289" providerId="ADAL" clId="{7E675CCB-07F9-44C0-BAAC-BD9446840455}" dt="2025-02-06T09:48:38.845" v="1134" actId="1037"/>
+        <pc:spChg chg="add del mod">
+          <ac:chgData name="Graf Thomas, INI-NET-VNC-E2E" userId="487bc3e3-9ce7-4cdd-b7b4-8899ea88d289" providerId="ADAL" clId="{7E675CCB-07F9-44C0-BAAC-BD9446840455}" dt="2025-02-07T15:07:24.810" v="1927" actId="478"/>
           <ac:spMkLst>
             <pc:docMk/>
             <pc:sldMk cId="2684272815" sldId="2145706258"/>
@@ -364,13 +380,13 @@
         </pc:sldMkLst>
       </pc:sldChg>
       <pc:sldChg chg="modSp mod ord">
-        <pc:chgData name="Graf Thomas, INI-NET-VNC-E2E" userId="487bc3e3-9ce7-4cdd-b7b4-8899ea88d289" providerId="ADAL" clId="{7E675CCB-07F9-44C0-BAAC-BD9446840455}" dt="2025-02-06T09:56:26.913" v="1523" actId="20577"/>
+        <pc:chgData name="Graf Thomas, INI-NET-VNC-E2E" userId="487bc3e3-9ce7-4cdd-b7b4-8899ea88d289" providerId="ADAL" clId="{7E675CCB-07F9-44C0-BAAC-BD9446840455}" dt="2025-02-07T15:23:40.324" v="2542" actId="20577"/>
         <pc:sldMkLst>
           <pc:docMk/>
           <pc:sldMk cId="461661054" sldId="2145706267"/>
         </pc:sldMkLst>
         <pc:spChg chg="mod">
-          <ac:chgData name="Graf Thomas, INI-NET-VNC-E2E" userId="487bc3e3-9ce7-4cdd-b7b4-8899ea88d289" providerId="ADAL" clId="{7E675CCB-07F9-44C0-BAAC-BD9446840455}" dt="2025-02-06T09:56:26.913" v="1523" actId="20577"/>
+          <ac:chgData name="Graf Thomas, INI-NET-VNC-E2E" userId="487bc3e3-9ce7-4cdd-b7b4-8899ea88d289" providerId="ADAL" clId="{7E675CCB-07F9-44C0-BAAC-BD9446840455}" dt="2025-02-07T15:23:40.324" v="2542" actId="20577"/>
           <ac:spMkLst>
             <pc:docMk/>
             <pc:sldMk cId="461661054" sldId="2145706267"/>
@@ -1625,7 +1641,7 @@
           <a:p>
             <a:fld id="{E5E705E9-673F-4AC4-B29E-A7B26F3B8523}" type="datetimeFigureOut">
               <a:rPr lang="de-CH" smtClean="0"/>
-              <a:t>06.02.2025</a:t>
+              <a:t>07.02.2025</a:t>
             </a:fld>
             <a:endParaRPr lang="de-CH"/>
           </a:p>
@@ -2529,7 +2545,7 @@
           <a:p>
             <a:fld id="{9E9B238C-2335-4007-98C9-471C02CC43B6}" type="datetimeFigureOut">
               <a:rPr lang="de-CH" smtClean="0"/>
-              <a:t>06.02.2025</a:t>
+              <a:t>07.02.2025</a:t>
             </a:fld>
             <a:endParaRPr lang="de-CH"/>
           </a:p>
@@ -2729,7 +2745,7 @@
           <a:p>
             <a:fld id="{9E9B238C-2335-4007-98C9-471C02CC43B6}" type="datetimeFigureOut">
               <a:rPr lang="de-CH" smtClean="0"/>
-              <a:t>06.02.2025</a:t>
+              <a:t>07.02.2025</a:t>
             </a:fld>
             <a:endParaRPr lang="de-CH"/>
           </a:p>
@@ -2939,7 +2955,7 @@
           <a:p>
             <a:fld id="{9E9B238C-2335-4007-98C9-471C02CC43B6}" type="datetimeFigureOut">
               <a:rPr lang="de-CH" smtClean="0"/>
-              <a:t>06.02.2025</a:t>
+              <a:t>07.02.2025</a:t>
             </a:fld>
             <a:endParaRPr lang="de-CH"/>
           </a:p>
@@ -3139,7 +3155,7 @@
           <a:p>
             <a:fld id="{9E9B238C-2335-4007-98C9-471C02CC43B6}" type="datetimeFigureOut">
               <a:rPr lang="de-CH" smtClean="0"/>
-              <a:t>06.02.2025</a:t>
+              <a:t>07.02.2025</a:t>
             </a:fld>
             <a:endParaRPr lang="de-CH"/>
           </a:p>
@@ -3415,7 +3431,7 @@
           <a:p>
             <a:fld id="{9E9B238C-2335-4007-98C9-471C02CC43B6}" type="datetimeFigureOut">
               <a:rPr lang="de-CH" smtClean="0"/>
-              <a:t>06.02.2025</a:t>
+              <a:t>07.02.2025</a:t>
             </a:fld>
             <a:endParaRPr lang="de-CH"/>
           </a:p>
@@ -3683,7 +3699,7 @@
           <a:p>
             <a:fld id="{9E9B238C-2335-4007-98C9-471C02CC43B6}" type="datetimeFigureOut">
               <a:rPr lang="de-CH" smtClean="0"/>
-              <a:t>06.02.2025</a:t>
+              <a:t>07.02.2025</a:t>
             </a:fld>
             <a:endParaRPr lang="de-CH"/>
           </a:p>
@@ -4098,7 +4114,7 @@
           <a:p>
             <a:fld id="{9E9B238C-2335-4007-98C9-471C02CC43B6}" type="datetimeFigureOut">
               <a:rPr lang="de-CH" smtClean="0"/>
-              <a:t>06.02.2025</a:t>
+              <a:t>07.02.2025</a:t>
             </a:fld>
             <a:endParaRPr lang="de-CH"/>
           </a:p>
@@ -4240,7 +4256,7 @@
           <a:p>
             <a:fld id="{9E9B238C-2335-4007-98C9-471C02CC43B6}" type="datetimeFigureOut">
               <a:rPr lang="de-CH" smtClean="0"/>
-              <a:t>06.02.2025</a:t>
+              <a:t>07.02.2025</a:t>
             </a:fld>
             <a:endParaRPr lang="de-CH"/>
           </a:p>
@@ -4353,7 +4369,7 @@
           <a:p>
             <a:fld id="{9E9B238C-2335-4007-98C9-471C02CC43B6}" type="datetimeFigureOut">
               <a:rPr lang="de-CH" smtClean="0"/>
-              <a:t>06.02.2025</a:t>
+              <a:t>07.02.2025</a:t>
             </a:fld>
             <a:endParaRPr lang="de-CH"/>
           </a:p>
@@ -4666,7 +4682,7 @@
           <a:p>
             <a:fld id="{9E9B238C-2335-4007-98C9-471C02CC43B6}" type="datetimeFigureOut">
               <a:rPr lang="de-CH" smtClean="0"/>
-              <a:t>06.02.2025</a:t>
+              <a:t>07.02.2025</a:t>
             </a:fld>
             <a:endParaRPr lang="de-CH"/>
           </a:p>
@@ -4955,7 +4971,7 @@
           <a:p>
             <a:fld id="{9E9B238C-2335-4007-98C9-471C02CC43B6}" type="datetimeFigureOut">
               <a:rPr lang="de-CH" smtClean="0"/>
-              <a:t>06.02.2025</a:t>
+              <a:t>07.02.2025</a:t>
             </a:fld>
             <a:endParaRPr lang="de-CH"/>
           </a:p>
@@ -5198,7 +5214,7 @@
           <a:p>
             <a:fld id="{9E9B238C-2335-4007-98C9-471C02CC43B6}" type="datetimeFigureOut">
               <a:rPr lang="de-CH" smtClean="0"/>
-              <a:t>06.02.2025</a:t>
+              <a:t>07.02.2025</a:t>
             </a:fld>
             <a:endParaRPr lang="de-CH"/>
           </a:p>
@@ -6008,7 +6024,7 @@
               <a:rPr lang="de-CH" sz="1400" dirty="0">
                 <a:latin typeface="+mj-lt"/>
               </a:rPr>
-              <a:t>6. </a:t>
+              <a:t>7. </a:t>
             </a:r>
             <a:r>
               <a:rPr lang="de-CH" sz="1400" dirty="0" err="1">
@@ -6239,7 +6255,7 @@
         </p:spPr>
         <p:txBody>
           <a:bodyPr vert="horz" lIns="91440" tIns="45720" rIns="91440" bIns="45720" rtlCol="0" anchor="ctr">
-            <a:normAutofit/>
+            <a:normAutofit fontScale="92500" lnSpcReduction="10000"/>
           </a:bodyPr>
           <a:lstStyle>
             <a:lvl1pPr algn="l" defTabSz="914400" rtl="0" eaLnBrk="1" latinLnBrk="0" hangingPunct="1">
@@ -6268,6 +6284,19 @@
           </a:p>
           <a:p>
             <a:endParaRPr lang="en-US" sz="3400" b="1" dirty="0"/>
+          </a:p>
+          <a:p>
+            <a:pPr marL="457200" indent="-457200">
+              <a:spcBef>
+                <a:spcPts val="1200"/>
+              </a:spcBef>
+              <a:buFont typeface="Wingdings" panose="05000000000000000000" pitchFamily="2" charset="2"/>
+              <a:buChar char="Ø"/>
+            </a:pPr>
+            <a:r>
+              <a:rPr lang="en-US" sz="2800" dirty="0"/>
+              <a:t>Architecture Overview and Document Relationships</a:t>
+            </a:r>
           </a:p>
           <a:p>
             <a:pPr marL="457200" indent="-457200">
@@ -6405,8 +6434,8 @@
         </p:nvSpPr>
         <p:spPr>
           <a:xfrm>
-            <a:off x="6096001" y="838986"/>
-            <a:ext cx="5906142" cy="5122382"/>
+            <a:off x="5353050" y="485775"/>
+            <a:ext cx="6649093" cy="5475593"/>
           </a:xfrm>
         </p:spPr>
         <p:txBody>
@@ -6415,73 +6444,461 @@
           </a:bodyPr>
           <a:lstStyle/>
           <a:p>
-            <a:r>
-              <a:rPr lang="en-US" sz="2000" b="1" dirty="0">
-                <a:solidFill>
-                  <a:srgbClr val="FF0000"/>
-                </a:solidFill>
-              </a:rPr>
-              <a:t>Network Orchestration</a:t>
-            </a:r>
-            <a:r>
-              <a:rPr lang="en-US" sz="2000" dirty="0"/>
-              <a:t> subscribes to YANG datastore. </a:t>
-            </a:r>
-          </a:p>
-          <a:p>
-            <a:r>
-              <a:rPr lang="en-US" sz="2000" b="1" dirty="0">
-                <a:solidFill>
-                  <a:srgbClr val="FF0000"/>
-                </a:solidFill>
-              </a:rPr>
-              <a:t>Network Node </a:t>
-            </a:r>
-            <a:r>
-              <a:rPr lang="en-US" sz="2000" dirty="0"/>
-              <a:t>informs Data Collection on subscription state and publishes YANG metrics with YANG-Push.</a:t>
-            </a:r>
-          </a:p>
-          <a:p>
-            <a:r>
-              <a:rPr lang="en-US" sz="2000" b="1" dirty="0">
-                <a:solidFill>
-                  <a:srgbClr val="FF0000"/>
-                </a:solidFill>
-              </a:rPr>
-              <a:t>Data Collection </a:t>
-            </a:r>
-            <a:r>
-              <a:rPr lang="en-US" sz="2000" dirty="0"/>
-              <a:t>obtains for each subscription the YANG module dependencies and the YANG modules on the network node, registers it in the YANG Schema Registry and prefixes the forwarded YANG notifications with the obtained schema ID.</a:t>
-            </a:r>
-          </a:p>
-          <a:p>
-            <a:r>
-              <a:rPr lang="en-US" sz="2000" b="1" dirty="0">
-                <a:solidFill>
-                  <a:srgbClr val="FF0000"/>
-                </a:solidFill>
-              </a:rPr>
-              <a:t>YANG Schema Registry</a:t>
-            </a:r>
-            <a:r>
-              <a:rPr lang="en-US" sz="2000" dirty="0"/>
-              <a:t> issues for a Message Broker subject a schema ID for each new schema tree, compares a new schema tree with an existing and versions it.</a:t>
-            </a:r>
-          </a:p>
-          <a:p>
-            <a:r>
-              <a:rPr lang="en-US" sz="2000" b="1" dirty="0">
-                <a:solidFill>
-                  <a:srgbClr val="FF0000"/>
-                </a:solidFill>
-              </a:rPr>
-              <a:t>Data Consumer </a:t>
-            </a:r>
-            <a:r>
-              <a:rPr lang="en-US" sz="2000" dirty="0"/>
-              <a:t>consumes YANG-Push notifications from Message Broker, obtains schema tree from YANG schema registry, validates YANG notifications against schema and uses schema to populate into database table.</a:t>
+            <a:pPr>
+              <a:spcBef>
+                <a:spcPts val="600"/>
+              </a:spcBef>
+            </a:pPr>
+            <a:r>
+              <a:rPr lang="en-US" sz="1600" b="1" dirty="0"/>
+              <a:t>4.1.  YANG-Push Subscription</a:t>
+            </a:r>
+            <a:br>
+              <a:rPr lang="en-US" sz="1600" dirty="0"/>
+            </a:br>
+            <a:r>
+              <a:rPr lang="en-US" sz="1600" dirty="0"/>
+              <a:t>Thanks to </a:t>
+            </a:r>
+            <a:r>
+              <a:rPr lang="en-US" sz="1600" dirty="0">
+                <a:hlinkClick r:id="rId3"/>
+              </a:rPr>
+              <a:t>RFC 9196 </a:t>
+            </a:r>
+            <a:r>
+              <a:rPr lang="en-US" sz="1600" dirty="0"/>
+              <a:t>based YANG modules describing capabilities for systems and notifications, transport (</a:t>
+            </a:r>
+            <a:r>
+              <a:rPr lang="en-US" sz="1600" dirty="0">
+                <a:hlinkClick r:id="rId4"/>
+              </a:rPr>
+              <a:t>draft-</a:t>
+            </a:r>
+            <a:r>
+              <a:rPr lang="en-US" sz="1600" dirty="0" err="1">
+                <a:hlinkClick r:id="rId4"/>
+              </a:rPr>
+              <a:t>netana</a:t>
+            </a:r>
+            <a:r>
+              <a:rPr lang="en-US" sz="1600" dirty="0">
+                <a:hlinkClick r:id="rId4"/>
+              </a:rPr>
+              <a:t>-netconf-</a:t>
+            </a:r>
+            <a:r>
+              <a:rPr lang="en-US" sz="1600" dirty="0" err="1">
+                <a:hlinkClick r:id="rId4"/>
+              </a:rPr>
+              <a:t>yp</a:t>
+            </a:r>
+            <a:r>
+              <a:rPr lang="en-US" sz="1600" dirty="0">
+                <a:hlinkClick r:id="rId4"/>
+              </a:rPr>
+              <a:t>-transport-capabilities</a:t>
+            </a:r>
+            <a:r>
+              <a:rPr lang="en-US" sz="1600" dirty="0"/>
+              <a:t>), notification extensions (</a:t>
+            </a:r>
+            <a:r>
+              <a:rPr lang="en-US" sz="1600" dirty="0">
+                <a:hlinkClick r:id="rId5"/>
+              </a:rPr>
+              <a:t>draft-</a:t>
+            </a:r>
+            <a:r>
+              <a:rPr lang="en-US" sz="1600" dirty="0" err="1">
+                <a:hlinkClick r:id="rId5"/>
+              </a:rPr>
+              <a:t>netana</a:t>
+            </a:r>
+            <a:r>
+              <a:rPr lang="en-US" sz="1600" dirty="0">
+                <a:hlinkClick r:id="rId5"/>
+              </a:rPr>
+              <a:t>-netconf-</a:t>
+            </a:r>
+            <a:r>
+              <a:rPr lang="en-US" sz="1600" dirty="0" err="1">
+                <a:hlinkClick r:id="rId5"/>
+              </a:rPr>
+              <a:t>notif</a:t>
+            </a:r>
+            <a:r>
+              <a:rPr lang="en-US" sz="1600" dirty="0">
+                <a:hlinkClick r:id="rId5"/>
+              </a:rPr>
+              <a:t>-envelope</a:t>
+            </a:r>
+            <a:r>
+              <a:rPr lang="en-US" sz="1600" dirty="0"/>
+              <a:t>) and supported </a:t>
+            </a:r>
+            <a:r>
+              <a:rPr lang="en-US" sz="1600" dirty="0" err="1"/>
+              <a:t>xpaths</a:t>
+            </a:r>
+            <a:r>
+              <a:rPr lang="en-US" sz="1600" dirty="0"/>
+              <a:t> can be discovered.</a:t>
+            </a:r>
+          </a:p>
+          <a:p>
+            <a:pPr>
+              <a:spcBef>
+                <a:spcPts val="600"/>
+              </a:spcBef>
+            </a:pPr>
+            <a:r>
+              <a:rPr lang="en-US" sz="1600" b="1" dirty="0"/>
+              <a:t>4.2.  YANG-Push Publisher</a:t>
+            </a:r>
+            <a:br>
+              <a:rPr lang="en-US" sz="1600" dirty="0"/>
+            </a:br>
+            <a:r>
+              <a:rPr lang="en-US" sz="1600" dirty="0"/>
+              <a:t>For configured subscriptions, </a:t>
+            </a:r>
+            <a:r>
+              <a:rPr lang="en-US" sz="1600" dirty="0">
+                <a:hlinkClick r:id="rId6"/>
+              </a:rPr>
+              <a:t>udp-notif</a:t>
+            </a:r>
+            <a:r>
+              <a:rPr lang="en-US" sz="1600" dirty="0"/>
+              <a:t>, </a:t>
+            </a:r>
+            <a:r>
+              <a:rPr lang="en-US" sz="1600" dirty="0">
+                <a:hlinkClick r:id="rId7"/>
+              </a:rPr>
+              <a:t>distributed-</a:t>
+            </a:r>
+            <a:r>
+              <a:rPr lang="en-US" sz="1600" dirty="0" err="1">
+                <a:hlinkClick r:id="rId7"/>
+              </a:rPr>
+              <a:t>notif</a:t>
+            </a:r>
+            <a:r>
+              <a:rPr lang="en-US" sz="1600" dirty="0"/>
+              <a:t> and </a:t>
+            </a:r>
+            <a:r>
+              <a:rPr lang="en-US" sz="1600" dirty="0">
+                <a:hlinkClick r:id="rId8"/>
+              </a:rPr>
+              <a:t>https-</a:t>
+            </a:r>
+            <a:r>
+              <a:rPr lang="en-US" sz="1600" dirty="0" err="1">
+                <a:hlinkClick r:id="rId8"/>
+              </a:rPr>
+              <a:t>notif</a:t>
+            </a:r>
+            <a:r>
+              <a:rPr lang="en-US" sz="1600" dirty="0"/>
+              <a:t> are the </a:t>
+            </a:r>
+            <a:r>
+              <a:rPr lang="en-US" sz="1600" dirty="0">
+                <a:hlinkClick r:id="rId9"/>
+              </a:rPr>
+              <a:t>RFC 8639</a:t>
+            </a:r>
+            <a:r>
+              <a:rPr lang="en-US" sz="1600" dirty="0"/>
+              <a:t>, </a:t>
+            </a:r>
+            <a:r>
+              <a:rPr lang="en-US" sz="1600" dirty="0">
+                <a:hlinkClick r:id="rId10"/>
+              </a:rPr>
+              <a:t>RFC 8641 </a:t>
+            </a:r>
+            <a:r>
+              <a:rPr lang="en-US" sz="1600" dirty="0"/>
+              <a:t>based YANG-Push transport protocols. </a:t>
+            </a:r>
+            <a:r>
+              <a:rPr lang="en-US" sz="1600" dirty="0">
+                <a:hlinkClick r:id="rId5"/>
+              </a:rPr>
+              <a:t>draft-</a:t>
+            </a:r>
+            <a:r>
+              <a:rPr lang="en-US" sz="1600" dirty="0" err="1">
+                <a:hlinkClick r:id="rId5"/>
+              </a:rPr>
+              <a:t>netana</a:t>
+            </a:r>
+            <a:r>
+              <a:rPr lang="en-US" sz="1600" dirty="0">
+                <a:hlinkClick r:id="rId5"/>
+              </a:rPr>
+              <a:t>-netconf-</a:t>
+            </a:r>
+            <a:r>
+              <a:rPr lang="en-US" sz="1600" dirty="0" err="1">
+                <a:hlinkClick r:id="rId5"/>
+              </a:rPr>
+              <a:t>notif</a:t>
+            </a:r>
+            <a:r>
+              <a:rPr lang="en-US" sz="1600" dirty="0">
+                <a:hlinkClick r:id="rId5"/>
+              </a:rPr>
+              <a:t>-envelope</a:t>
+            </a:r>
+            <a:r>
+              <a:rPr lang="en-US" sz="1600" dirty="0"/>
+              <a:t> provides the notification header with hostname, sequence and observation timestamp extensions.</a:t>
+            </a:r>
+          </a:p>
+          <a:p>
+            <a:pPr>
+              <a:spcBef>
+                <a:spcPts val="600"/>
+              </a:spcBef>
+            </a:pPr>
+            <a:r>
+              <a:rPr lang="en-US" sz="1600" b="1" dirty="0"/>
+              <a:t>4.3.  YANG-Push Receiver</a:t>
+            </a:r>
+            <a:br>
+              <a:rPr lang="en-US" sz="1600" dirty="0"/>
+            </a:br>
+            <a:r>
+              <a:rPr lang="en-US" sz="1600" dirty="0"/>
+              <a:t>Discovers subscription state changes by detecting changes in </a:t>
+            </a:r>
+            <a:r>
+              <a:rPr lang="en-US" sz="1600" dirty="0" err="1"/>
+              <a:t>xpath</a:t>
+            </a:r>
+            <a:r>
+              <a:rPr lang="en-US" sz="1600" dirty="0"/>
+              <a:t>/sub-tree, module name, revision, revision-label and YANG library content-id defined in </a:t>
+            </a:r>
+            <a:r>
+              <a:rPr lang="en-US" sz="1600" dirty="0">
+                <a:hlinkClick r:id="rId11"/>
+              </a:rPr>
+              <a:t>draft-ietf-netconf-yang-notifications-versioning</a:t>
+            </a:r>
+            <a:r>
+              <a:rPr lang="en-US" sz="1600" dirty="0"/>
+              <a:t> and discovers YANG schema tree through </a:t>
+            </a:r>
+            <a:r>
+              <a:rPr lang="en-US" sz="1600" dirty="0">
+                <a:hlinkClick r:id="rId12"/>
+              </a:rPr>
+              <a:t>YANG library </a:t>
+            </a:r>
+            <a:r>
+              <a:rPr lang="en-US" sz="1600" dirty="0"/>
+              <a:t>with </a:t>
+            </a:r>
+            <a:r>
+              <a:rPr lang="en-US" sz="1600" dirty="0">
+                <a:hlinkClick r:id="rId13"/>
+              </a:rPr>
+              <a:t>ietf-netconf-yang-library-</a:t>
+            </a:r>
+            <a:r>
+              <a:rPr lang="en-US" sz="1600" dirty="0" err="1">
+                <a:hlinkClick r:id="rId13"/>
+              </a:rPr>
+              <a:t>augmentedby</a:t>
+            </a:r>
+            <a:r>
+              <a:rPr lang="en-US" sz="1600" dirty="0"/>
+              <a:t> extension.</a:t>
+            </a:r>
+          </a:p>
+          <a:p>
+            <a:pPr>
+              <a:spcBef>
+                <a:spcPts val="600"/>
+              </a:spcBef>
+            </a:pPr>
+            <a:r>
+              <a:rPr lang="en-US" sz="1600" b="1" dirty="0"/>
+              <a:t>4.6.  YANG Message Broker Consumer</a:t>
+            </a:r>
+            <a:br>
+              <a:rPr lang="en-US" sz="1600" dirty="0"/>
+            </a:br>
+            <a:r>
+              <a:rPr lang="en-US" sz="1600" dirty="0"/>
+              <a:t>Validates YANG notifications against schema. </a:t>
+            </a:r>
+            <a:r>
+              <a:rPr lang="en-US" sz="1600" dirty="0" err="1"/>
+              <a:t>Anydata</a:t>
+            </a:r>
+            <a:r>
+              <a:rPr lang="en-US" sz="1600" dirty="0"/>
+              <a:t> described in </a:t>
+            </a:r>
+            <a:r>
+              <a:rPr lang="en-US" sz="1600" dirty="0">
+                <a:hlinkClick r:id="rId14"/>
+              </a:rPr>
+              <a:t>Section 7.10 of RFC 7950</a:t>
+            </a:r>
+            <a:r>
+              <a:rPr lang="en-US" sz="1600" dirty="0"/>
+              <a:t>, validation described in </a:t>
+            </a:r>
+            <a:r>
+              <a:rPr lang="en-US" sz="1600" dirty="0">
+                <a:hlinkClick r:id="rId15"/>
+              </a:rPr>
+              <a:t>draft-aelhassany-</a:t>
+            </a:r>
+            <a:r>
+              <a:rPr lang="en-US" sz="1600" dirty="0" err="1">
+                <a:hlinkClick r:id="rId15"/>
+              </a:rPr>
+              <a:t>anydata</a:t>
+            </a:r>
+            <a:r>
+              <a:rPr lang="en-US" sz="1600" dirty="0">
+                <a:hlinkClick r:id="rId15"/>
+              </a:rPr>
+              <a:t>-validation</a:t>
+            </a:r>
+            <a:r>
+              <a:rPr lang="en-US" sz="1600" dirty="0"/>
+              <a:t>.</a:t>
+            </a:r>
+          </a:p>
+          <a:p>
+            <a:pPr>
+              <a:spcBef>
+                <a:spcPts val="600"/>
+              </a:spcBef>
+            </a:pPr>
+            <a:r>
+              <a:rPr lang="en-US" sz="1600" b="1" dirty="0"/>
+              <a:t>4.7.  YANG Data Consumer</a:t>
+            </a:r>
+            <a:br>
+              <a:rPr lang="en-US" sz="1600" dirty="0"/>
+            </a:br>
+            <a:r>
+              <a:rPr lang="en-US" sz="1600" dirty="0"/>
+              <a:t>Thanks to hostname, sequence-number and event-time from </a:t>
+            </a:r>
+            <a:r>
+              <a:rPr lang="en-US" sz="1600" dirty="0">
+                <a:hlinkClick r:id="rId5"/>
+              </a:rPr>
+              <a:t>draft-</a:t>
+            </a:r>
+            <a:r>
+              <a:rPr lang="en-US" sz="1600" dirty="0" err="1">
+                <a:hlinkClick r:id="rId5"/>
+              </a:rPr>
+              <a:t>netana</a:t>
+            </a:r>
+            <a:r>
+              <a:rPr lang="en-US" sz="1600" dirty="0">
+                <a:hlinkClick r:id="rId5"/>
+              </a:rPr>
+              <a:t>-netconf-</a:t>
+            </a:r>
+            <a:r>
+              <a:rPr lang="en-US" sz="1600" dirty="0" err="1">
+                <a:hlinkClick r:id="rId5"/>
+              </a:rPr>
+              <a:t>notif</a:t>
+            </a:r>
+            <a:r>
+              <a:rPr lang="en-US" sz="1600" dirty="0">
+                <a:hlinkClick r:id="rId5"/>
+              </a:rPr>
+              <a:t>-envelope</a:t>
+            </a:r>
+            <a:r>
+              <a:rPr lang="en-US" sz="1600" dirty="0"/>
+              <a:t>, loss and serialization delay can be measured.</a:t>
+            </a:r>
+          </a:p>
+          <a:p>
+            <a:pPr>
+              <a:spcBef>
+                <a:spcPts val="600"/>
+              </a:spcBef>
+            </a:pPr>
+            <a:r>
+              <a:rPr lang="en-US" sz="1600" b="1" dirty="0"/>
+              <a:t>4.8. YANG Data Storage</a:t>
+            </a:r>
+            <a:br>
+              <a:rPr lang="en-US" sz="1600" dirty="0"/>
+            </a:br>
+            <a:r>
+              <a:rPr lang="en-US" sz="1600" dirty="0"/>
+              <a:t>Metrics can be indexed in timeseries database thanks to </a:t>
+            </a:r>
+            <a:r>
+              <a:rPr lang="de-CH" sz="1600" dirty="0" err="1"/>
+              <a:t>observation</a:t>
+            </a:r>
+            <a:r>
+              <a:rPr lang="de-CH" sz="1600" dirty="0"/>
+              <a:t> </a:t>
+            </a:r>
+            <a:r>
+              <a:rPr lang="de-CH" sz="1600" dirty="0" err="1"/>
+              <a:t>timestamp</a:t>
+            </a:r>
+            <a:r>
+              <a:rPr lang="en-US" sz="1600" dirty="0"/>
+              <a:t> defined in </a:t>
+            </a:r>
+            <a:r>
+              <a:rPr lang="en-US" sz="1600" dirty="0">
+                <a:hlinkClick r:id="rId5"/>
+              </a:rPr>
+              <a:t>draft-</a:t>
+            </a:r>
+            <a:r>
+              <a:rPr lang="en-US" sz="1600" dirty="0" err="1">
+                <a:hlinkClick r:id="rId5"/>
+              </a:rPr>
+              <a:t>netana</a:t>
+            </a:r>
+            <a:r>
+              <a:rPr lang="en-US" sz="1600" dirty="0">
+                <a:hlinkClick r:id="rId5"/>
+              </a:rPr>
+              <a:t>-netconf-</a:t>
+            </a:r>
+            <a:r>
+              <a:rPr lang="en-US" sz="1600" dirty="0" err="1">
+                <a:hlinkClick r:id="rId5"/>
+              </a:rPr>
+              <a:t>notif</a:t>
+            </a:r>
+            <a:r>
+              <a:rPr lang="en-US" sz="1600" dirty="0">
+                <a:hlinkClick r:id="rId5"/>
+              </a:rPr>
+              <a:t>-envelope</a:t>
+            </a:r>
+            <a:r>
+              <a:rPr lang="en-US" sz="1600" dirty="0"/>
+              <a:t>.</a:t>
             </a:r>
           </a:p>
         </p:txBody>
@@ -6539,7 +6956,7 @@
         <p:spPr>
           <a:xfrm>
             <a:off x="838200" y="365125"/>
-            <a:ext cx="10515600" cy="1325563"/>
+            <a:ext cx="4657725" cy="1325563"/>
           </a:xfrm>
         </p:spPr>
         <p:txBody>
@@ -6563,13 +6980,8 @@
                   </a:schemeClr>
                 </a:solidFill>
               </a:rPr>
-              <a:t>Workflow Diagram</a:t>
-            </a:r>
-            <a:endParaRPr lang="en-US" sz="2700" dirty="0">
-              <a:solidFill>
-                <a:srgbClr val="FF0000"/>
-              </a:solidFill>
-            </a:endParaRPr>
+              <a:t>Document Relationships</a:t>
+            </a:r>
           </a:p>
         </p:txBody>
       </p:sp>
@@ -6588,7 +7000,7 @@
           <p:nvPr/>
         </p:nvPicPr>
         <p:blipFill>
-          <a:blip r:embed="rId3"/>
+          <a:blip r:embed="rId16"/>
           <a:stretch>
             <a:fillRect/>
           </a:stretch>
@@ -6603,118 +7015,6 @@
           </a:prstGeom>
         </p:spPr>
       </p:pic>
-      <p:sp>
-        <p:nvSpPr>
-          <p:cNvPr id="13" name="Oval 12">
-            <a:extLst>
-              <a:ext uri="{FF2B5EF4-FFF2-40B4-BE49-F238E27FC236}">
-                <a16:creationId xmlns:a16="http://schemas.microsoft.com/office/drawing/2014/main" id="{F1861884-AA79-8041-A708-D4652D546A08}"/>
-              </a:ext>
-            </a:extLst>
-          </p:cNvPr>
-          <p:cNvSpPr/>
-          <p:nvPr/>
-        </p:nvSpPr>
-        <p:spPr>
-          <a:xfrm>
-            <a:off x="3789159" y="4811043"/>
-            <a:ext cx="613192" cy="627308"/>
-          </a:xfrm>
-          <a:prstGeom prst="ellipse">
-            <a:avLst/>
-          </a:prstGeom>
-          <a:solidFill>
-            <a:srgbClr val="FF0000">
-              <a:alpha val="20000"/>
-            </a:srgbClr>
-          </a:solidFill>
-          <a:ln>
-            <a:solidFill>
-              <a:srgbClr val="FF0000"/>
-            </a:solidFill>
-          </a:ln>
-        </p:spPr>
-        <p:style>
-          <a:lnRef idx="2">
-            <a:schemeClr val="accent1">
-              <a:shade val="50000"/>
-            </a:schemeClr>
-          </a:lnRef>
-          <a:fillRef idx="1">
-            <a:schemeClr val="accent1"/>
-          </a:fillRef>
-          <a:effectRef idx="0">
-            <a:schemeClr val="accent1"/>
-          </a:effectRef>
-          <a:fontRef idx="minor">
-            <a:schemeClr val="lt1"/>
-          </a:fontRef>
-        </p:style>
-        <p:txBody>
-          <a:bodyPr rtlCol="0" anchor="ctr"/>
-          <a:lstStyle/>
-          <a:p>
-            <a:pPr algn="ctr"/>
-            <a:endParaRPr lang="de-CH"/>
-          </a:p>
-        </p:txBody>
-      </p:sp>
-      <p:sp>
-        <p:nvSpPr>
-          <p:cNvPr id="14" name="Oval 13">
-            <a:extLst>
-              <a:ext uri="{FF2B5EF4-FFF2-40B4-BE49-F238E27FC236}">
-                <a16:creationId xmlns:a16="http://schemas.microsoft.com/office/drawing/2014/main" id="{266E0794-E913-1E42-CFA6-E60C1BA94BFB}"/>
-              </a:ext>
-            </a:extLst>
-          </p:cNvPr>
-          <p:cNvSpPr/>
-          <p:nvPr/>
-        </p:nvSpPr>
-        <p:spPr>
-          <a:xfrm>
-            <a:off x="3693909" y="2510938"/>
-            <a:ext cx="613192" cy="627308"/>
-          </a:xfrm>
-          <a:prstGeom prst="ellipse">
-            <a:avLst/>
-          </a:prstGeom>
-          <a:solidFill>
-            <a:srgbClr val="FF0000">
-              <a:alpha val="20000"/>
-            </a:srgbClr>
-          </a:solidFill>
-          <a:ln>
-            <a:solidFill>
-              <a:srgbClr val="FF0000"/>
-            </a:solidFill>
-          </a:ln>
-        </p:spPr>
-        <p:style>
-          <a:lnRef idx="2">
-            <a:schemeClr val="accent1">
-              <a:shade val="50000"/>
-            </a:schemeClr>
-          </a:lnRef>
-          <a:fillRef idx="1">
-            <a:schemeClr val="accent1"/>
-          </a:fillRef>
-          <a:effectRef idx="0">
-            <a:schemeClr val="accent1"/>
-          </a:effectRef>
-          <a:fontRef idx="minor">
-            <a:schemeClr val="lt1"/>
-          </a:fontRef>
-        </p:style>
-        <p:txBody>
-          <a:bodyPr rtlCol="0" anchor="ctr"/>
-          <a:lstStyle/>
-          <a:p>
-            <a:pPr algn="ctr"/>
-            <a:endParaRPr lang="de-CH"/>
-          </a:p>
-        </p:txBody>
-      </p:sp>
     </p:spTree>
     <p:extLst>
       <p:ext uri="{BB962C8B-B14F-4D97-AF65-F5344CB8AC3E}">

--- a/122/NETCONF/netconf-nmop-interim-draft-ietf-nmop-yang-message-broker-integration-06.pptx
+++ b/122/NETCONF/netconf-nmop-interim-draft-ietf-nmop-yang-message-broker-integration-06.pptx
@@ -137,7 +137,7 @@
   <pc:docChgLst>
     <pc:chgData name="Graf Thomas, INI-NET-VNC-E2E" userId="487bc3e3-9ce7-4cdd-b7b4-8899ea88d289" providerId="ADAL" clId="{7E675CCB-07F9-44C0-BAAC-BD9446840455}"/>
     <pc:docChg chg="undo custSel addSld delSld modSld sldOrd">
-      <pc:chgData name="Graf Thomas, INI-NET-VNC-E2E" userId="487bc3e3-9ce7-4cdd-b7b4-8899ea88d289" providerId="ADAL" clId="{7E675CCB-07F9-44C0-BAAC-BD9446840455}" dt="2025-02-07T15:25:10.698" v="2544" actId="20577"/>
+      <pc:chgData name="Graf Thomas, INI-NET-VNC-E2E" userId="487bc3e3-9ce7-4cdd-b7b4-8899ea88d289" providerId="ADAL" clId="{7E675CCB-07F9-44C0-BAAC-BD9446840455}" dt="2025-02-07T15:30:13.135" v="2545" actId="13926"/>
       <pc:docMkLst>
         <pc:docMk/>
       </pc:docMkLst>
@@ -358,13 +358,13 @@
         </pc:picChg>
       </pc:sldChg>
       <pc:sldChg chg="modSp mod ord">
-        <pc:chgData name="Graf Thomas, INI-NET-VNC-E2E" userId="487bc3e3-9ce7-4cdd-b7b4-8899ea88d289" providerId="ADAL" clId="{7E675CCB-07F9-44C0-BAAC-BD9446840455}" dt="2025-02-06T09:43:35.126" v="973"/>
+        <pc:chgData name="Graf Thomas, INI-NET-VNC-E2E" userId="487bc3e3-9ce7-4cdd-b7b4-8899ea88d289" providerId="ADAL" clId="{7E675CCB-07F9-44C0-BAAC-BD9446840455}" dt="2025-02-07T15:30:13.135" v="2545" actId="13926"/>
         <pc:sldMkLst>
           <pc:docMk/>
           <pc:sldMk cId="179949106" sldId="2145706259"/>
         </pc:sldMkLst>
         <pc:spChg chg="mod">
-          <ac:chgData name="Graf Thomas, INI-NET-VNC-E2E" userId="487bc3e3-9ce7-4cdd-b7b4-8899ea88d289" providerId="ADAL" clId="{7E675CCB-07F9-44C0-BAAC-BD9446840455}" dt="2025-02-06T09:33:00.272" v="872" actId="13926"/>
+          <ac:chgData name="Graf Thomas, INI-NET-VNC-E2E" userId="487bc3e3-9ce7-4cdd-b7b4-8899ea88d289" providerId="ADAL" clId="{7E675CCB-07F9-44C0-BAAC-BD9446840455}" dt="2025-02-07T15:30:13.135" v="2545" actId="13926"/>
           <ac:spMkLst>
             <pc:docMk/>
             <pc:sldMk cId="179949106" sldId="2145706259"/>
@@ -10040,43 +10040,70 @@
               </a:spcBef>
             </a:pPr>
             <a:r>
-              <a:rPr lang="en-US" sz="1800" dirty="0"/>
+              <a:rPr lang="en-US" sz="1800" dirty="0">
+                <a:highlight>
+                  <a:srgbClr val="FFFF00"/>
+                </a:highlight>
+              </a:rPr>
               <a:t>YANG-Push Operational Data Observability Enhancements</a:t>
             </a:r>
             <a:br>
-              <a:rPr lang="en-US" sz="1800" dirty="0"/>
+              <a:rPr lang="en-US" sz="1800" dirty="0">
+                <a:highlight>
+                  <a:srgbClr val="FFFF00"/>
+                </a:highlight>
+              </a:rPr>
             </a:br>
             <a:r>
               <a:rPr lang="en-US" sz="1800" dirty="0">
+                <a:highlight>
+                  <a:srgbClr val="FFFF00"/>
+                </a:highlight>
                 <a:hlinkClick r:id="rId9"/>
               </a:rPr>
               <a:t>draft-</a:t>
             </a:r>
             <a:r>
               <a:rPr lang="en-US" sz="1800" dirty="0" err="1">
+                <a:highlight>
+                  <a:srgbClr val="FFFF00"/>
+                </a:highlight>
                 <a:hlinkClick r:id="rId9"/>
               </a:rPr>
               <a:t>wilton</a:t>
             </a:r>
             <a:r>
               <a:rPr lang="en-US" sz="1800" dirty="0">
+                <a:highlight>
+                  <a:srgbClr val="FFFF00"/>
+                </a:highlight>
                 <a:hlinkClick r:id="rId9"/>
               </a:rPr>
               <a:t>-netconf-</a:t>
             </a:r>
             <a:r>
               <a:rPr lang="en-US" sz="1800" dirty="0" err="1">
+                <a:highlight>
+                  <a:srgbClr val="FFFF00"/>
+                </a:highlight>
                 <a:hlinkClick r:id="rId9"/>
               </a:rPr>
               <a:t>yp</a:t>
             </a:r>
             <a:r>
               <a:rPr lang="en-US" sz="1800" dirty="0">
+                <a:highlight>
+                  <a:srgbClr val="FFFF00"/>
+                </a:highlight>
                 <a:hlinkClick r:id="rId9"/>
               </a:rPr>
               <a:t>-observability</a:t>
             </a:r>
-            <a:endParaRPr lang="en-US" sz="1800" dirty="0"/>
+            <a:endParaRPr lang="en-US" sz="1800" dirty="0">
+              <a:highlight>
+                <a:srgbClr val="FFFF00"/>
+              </a:highlight>
+            </a:endParaRPr>
           </a:p>
           <a:p>
             <a:pPr marL="0" indent="0">

--- a/122/NETCONF/netconf-nmop-interim-draft-ietf-nmop-yang-message-broker-integration-06.pptx
+++ b/122/NETCONF/netconf-nmop-interim-draft-ietf-nmop-yang-message-broker-integration-06.pptx
@@ -5,19 +5,21 @@
     <p:sldMasterId id="2147483648" r:id="rId1"/>
   </p:sldMasterIdLst>
   <p:notesMasterIdLst>
-    <p:notesMasterId r:id="rId12"/>
+    <p:notesMasterId r:id="rId14"/>
   </p:notesMasterIdLst>
   <p:sldIdLst>
     <p:sldId id="1041" r:id="rId2"/>
     <p:sldId id="2145706267" r:id="rId3"/>
-    <p:sldId id="2145706258" r:id="rId4"/>
-    <p:sldId id="2145706272" r:id="rId5"/>
-    <p:sldId id="2145706256" r:id="rId6"/>
-    <p:sldId id="2145706274" r:id="rId7"/>
-    <p:sldId id="2145706259" r:id="rId8"/>
-    <p:sldId id="273" r:id="rId9"/>
-    <p:sldId id="2145706242" r:id="rId10"/>
-    <p:sldId id="2145706271" r:id="rId11"/>
+    <p:sldId id="2145706276" r:id="rId4"/>
+    <p:sldId id="2145706258" r:id="rId5"/>
+    <p:sldId id="2145706272" r:id="rId6"/>
+    <p:sldId id="2145706256" r:id="rId7"/>
+    <p:sldId id="2145706274" r:id="rId8"/>
+    <p:sldId id="2145706259" r:id="rId9"/>
+    <p:sldId id="2145706277" r:id="rId10"/>
+    <p:sldId id="273" r:id="rId11"/>
+    <p:sldId id="2145706242" r:id="rId12"/>
+    <p:sldId id="2145706271" r:id="rId13"/>
   </p:sldIdLst>
   <p:sldSz cx="12192000" cy="6858000"/>
   <p:notesSz cx="6858000" cy="9144000"/>
@@ -127,7 +129,7 @@
 <file path=ppt/revisionInfo.xml><?xml version="1.0" encoding="utf-8"?>
 <p1510:revInfo xmlns:a="http://schemas.openxmlformats.org/drawingml/2006/main" xmlns:r="http://schemas.openxmlformats.org/officeDocument/2006/relationships" xmlns:p1510="http://schemas.microsoft.com/office/powerpoint/2015/10/main">
   <p1510:revLst>
-    <p1510:client id="{7E675CCB-07F9-44C0-BAAC-BD9446840455}" v="43" dt="2025-02-07T15:19:27.428"/>
+    <p1510:client id="{7E675CCB-07F9-44C0-BAAC-BD9446840455}" v="49" dt="2025-02-10T09:54:13.053"/>
   </p1510:revLst>
 </p1510:revInfo>
 </file>
@@ -137,7 +139,7 @@
   <pc:docChgLst>
     <pc:chgData name="Graf Thomas, INI-NET-VNC-E2E" userId="487bc3e3-9ce7-4cdd-b7b4-8899ea88d289" providerId="ADAL" clId="{7E675CCB-07F9-44C0-BAAC-BD9446840455}"/>
     <pc:docChg chg="undo custSel addSld delSld modSld sldOrd">
-      <pc:chgData name="Graf Thomas, INI-NET-VNC-E2E" userId="487bc3e3-9ce7-4cdd-b7b4-8899ea88d289" providerId="ADAL" clId="{7E675CCB-07F9-44C0-BAAC-BD9446840455}" dt="2025-02-07T15:30:13.135" v="2545" actId="13926"/>
+      <pc:chgData name="Graf Thomas, INI-NET-VNC-E2E" userId="487bc3e3-9ce7-4cdd-b7b4-8899ea88d289" providerId="ADAL" clId="{7E675CCB-07F9-44C0-BAAC-BD9446840455}" dt="2025-02-10T09:57:24.125" v="3758" actId="20577"/>
       <pc:docMkLst>
         <pc:docMk/>
       </pc:docMkLst>
@@ -149,7 +151,7 @@
         </pc:sldMkLst>
       </pc:sldChg>
       <pc:sldChg chg="modSp mod">
-        <pc:chgData name="Graf Thomas, INI-NET-VNC-E2E" userId="487bc3e3-9ce7-4cdd-b7b4-8899ea88d289" providerId="ADAL" clId="{7E675CCB-07F9-44C0-BAAC-BD9446840455}" dt="2025-02-07T15:25:10.698" v="2544" actId="20577"/>
+        <pc:chgData name="Graf Thomas, INI-NET-VNC-E2E" userId="487bc3e3-9ce7-4cdd-b7b4-8899ea88d289" providerId="ADAL" clId="{7E675CCB-07F9-44C0-BAAC-BD9446840455}" dt="2025-02-10T09:57:24.125" v="3758" actId="20577"/>
         <pc:sldMkLst>
           <pc:docMk/>
           <pc:sldMk cId="3578665336" sldId="1041"/>
@@ -163,7 +165,7 @@
           </ac:spMkLst>
         </pc:spChg>
         <pc:spChg chg="mod">
-          <ac:chgData name="Graf Thomas, INI-NET-VNC-E2E" userId="487bc3e3-9ce7-4cdd-b7b4-8899ea88d289" providerId="ADAL" clId="{7E675CCB-07F9-44C0-BAAC-BD9446840455}" dt="2025-02-07T15:25:10.698" v="2544" actId="20577"/>
+          <ac:chgData name="Graf Thomas, INI-NET-VNC-E2E" userId="487bc3e3-9ce7-4cdd-b7b4-8899ea88d289" providerId="ADAL" clId="{7E675CCB-07F9-44C0-BAAC-BD9446840455}" dt="2025-02-10T09:57:24.125" v="3758" actId="20577"/>
           <ac:spMkLst>
             <pc:docMk/>
             <pc:sldMk cId="3578665336" sldId="1041"/>
@@ -357,8 +359,8 @@
           </ac:picMkLst>
         </pc:picChg>
       </pc:sldChg>
-      <pc:sldChg chg="modSp mod ord">
-        <pc:chgData name="Graf Thomas, INI-NET-VNC-E2E" userId="487bc3e3-9ce7-4cdd-b7b4-8899ea88d289" providerId="ADAL" clId="{7E675CCB-07F9-44C0-BAAC-BD9446840455}" dt="2025-02-07T15:30:13.135" v="2545" actId="13926"/>
+      <pc:sldChg chg="addSp delSp modSp mod ord">
+        <pc:chgData name="Graf Thomas, INI-NET-VNC-E2E" userId="487bc3e3-9ce7-4cdd-b7b4-8899ea88d289" providerId="ADAL" clId="{7E675CCB-07F9-44C0-BAAC-BD9446840455}" dt="2025-02-10T09:33:16.285" v="2548" actId="478"/>
         <pc:sldMkLst>
           <pc:docMk/>
           <pc:sldMk cId="179949106" sldId="2145706259"/>
@@ -369,6 +371,14 @@
             <pc:docMk/>
             <pc:sldMk cId="179949106" sldId="2145706259"/>
             <ac:spMk id="3" creationId="{29C0DFD4-432D-4B0C-93DF-790441DCF5B9}"/>
+          </ac:spMkLst>
+        </pc:spChg>
+        <pc:spChg chg="add del mod">
+          <ac:chgData name="Graf Thomas, INI-NET-VNC-E2E" userId="487bc3e3-9ce7-4cdd-b7b4-8899ea88d289" providerId="ADAL" clId="{7E675CCB-07F9-44C0-BAAC-BD9446840455}" dt="2025-02-10T09:33:16.285" v="2548" actId="478"/>
+          <ac:spMkLst>
+            <pc:docMk/>
+            <pc:sldMk cId="179949106" sldId="2145706259"/>
+            <ac:spMk id="4" creationId="{DB409AEA-4702-E9AE-A112-AA50D0D1F252}"/>
           </ac:spMkLst>
         </pc:spChg>
       </pc:sldChg>
@@ -639,6 +649,59 @@
             <pc:docMk/>
             <pc:sldMk cId="1996672381" sldId="2145706274"/>
             <ac:spMk id="7" creationId="{F1861884-AA79-8041-A708-D4652D546A08}"/>
+          </ac:spMkLst>
+        </pc:spChg>
+      </pc:sldChg>
+      <pc:sldChg chg="modSp add del mod ord">
+        <pc:chgData name="Graf Thomas, INI-NET-VNC-E2E" userId="487bc3e3-9ce7-4cdd-b7b4-8899ea88d289" providerId="ADAL" clId="{7E675CCB-07F9-44C0-BAAC-BD9446840455}" dt="2025-02-10T09:40:44.820" v="2886" actId="47"/>
+        <pc:sldMkLst>
+          <pc:docMk/>
+          <pc:sldMk cId="2814352939" sldId="2145706275"/>
+        </pc:sldMkLst>
+        <pc:spChg chg="mod">
+          <ac:chgData name="Graf Thomas, INI-NET-VNC-E2E" userId="487bc3e3-9ce7-4cdd-b7b4-8899ea88d289" providerId="ADAL" clId="{7E675CCB-07F9-44C0-BAAC-BD9446840455}" dt="2025-02-10T09:35:22.100" v="2562"/>
+          <ac:spMkLst>
+            <pc:docMk/>
+            <pc:sldMk cId="2814352939" sldId="2145706275"/>
+            <ac:spMk id="2" creationId="{FF20F271-6F0D-4AC0-BB1D-F5C338165C13}"/>
+          </ac:spMkLst>
+        </pc:spChg>
+        <pc:spChg chg="mod">
+          <ac:chgData name="Graf Thomas, INI-NET-VNC-E2E" userId="487bc3e3-9ce7-4cdd-b7b4-8899ea88d289" providerId="ADAL" clId="{7E675CCB-07F9-44C0-BAAC-BD9446840455}" dt="2025-02-10T09:39:08.522" v="2876" actId="20577"/>
+          <ac:spMkLst>
+            <pc:docMk/>
+            <pc:sldMk cId="2814352939" sldId="2145706275"/>
+            <ac:spMk id="3" creationId="{29C0DFD4-432D-4B0C-93DF-790441DCF5B9}"/>
+          </ac:spMkLst>
+        </pc:spChg>
+      </pc:sldChg>
+      <pc:sldChg chg="modSp add mod">
+        <pc:chgData name="Graf Thomas, INI-NET-VNC-E2E" userId="487bc3e3-9ce7-4cdd-b7b4-8899ea88d289" providerId="ADAL" clId="{7E675CCB-07F9-44C0-BAAC-BD9446840455}" dt="2025-02-10T09:56:22.117" v="3755" actId="20577"/>
+        <pc:sldMkLst>
+          <pc:docMk/>
+          <pc:sldMk cId="1674016052" sldId="2145706276"/>
+        </pc:sldMkLst>
+        <pc:spChg chg="mod">
+          <ac:chgData name="Graf Thomas, INI-NET-VNC-E2E" userId="487bc3e3-9ce7-4cdd-b7b4-8899ea88d289" providerId="ADAL" clId="{7E675CCB-07F9-44C0-BAAC-BD9446840455}" dt="2025-02-10T09:56:22.117" v="3755" actId="20577"/>
+          <ac:spMkLst>
+            <pc:docMk/>
+            <pc:sldMk cId="1674016052" sldId="2145706276"/>
+            <ac:spMk id="5" creationId="{C26208B2-0D10-4C23-B2DE-372A62E98644}"/>
+          </ac:spMkLst>
+        </pc:spChg>
+      </pc:sldChg>
+      <pc:sldChg chg="modSp add mod ord">
+        <pc:chgData name="Graf Thomas, INI-NET-VNC-E2E" userId="487bc3e3-9ce7-4cdd-b7b4-8899ea88d289" providerId="ADAL" clId="{7E675CCB-07F9-44C0-BAAC-BD9446840455}" dt="2025-02-10T09:55:05.366" v="3725" actId="20577"/>
+        <pc:sldMkLst>
+          <pc:docMk/>
+          <pc:sldMk cId="2551479504" sldId="2145706277"/>
+        </pc:sldMkLst>
+        <pc:spChg chg="mod">
+          <ac:chgData name="Graf Thomas, INI-NET-VNC-E2E" userId="487bc3e3-9ce7-4cdd-b7b4-8899ea88d289" providerId="ADAL" clId="{7E675CCB-07F9-44C0-BAAC-BD9446840455}" dt="2025-02-10T09:55:05.366" v="3725" actId="20577"/>
+          <ac:spMkLst>
+            <pc:docMk/>
+            <pc:sldMk cId="2551479504" sldId="2145706277"/>
+            <ac:spMk id="5" creationId="{C26208B2-0D10-4C23-B2DE-372A62E98644}"/>
           </ac:spMkLst>
         </pc:spChg>
       </pc:sldChg>
@@ -1641,7 +1704,7 @@
           <a:p>
             <a:fld id="{E5E705E9-673F-4AC4-B29E-A7B26F3B8523}" type="datetimeFigureOut">
               <a:rPr lang="de-CH" smtClean="0"/>
-              <a:t>07.02.2025</a:t>
+              <a:t>10.02.2025</a:t>
             </a:fld>
             <a:endParaRPr lang="de-CH"/>
           </a:p>
@@ -1974,7 +2037,7 @@
           <a:p>
             <a:fld id="{2BBC52A0-2F3F-497F-8536-39D60282E9C2}" type="slidenum">
               <a:rPr lang="de-CH" smtClean="0"/>
-              <a:t>3</a:t>
+              <a:t>4</a:t>
             </a:fld>
             <a:endParaRPr lang="de-CH"/>
           </a:p>
@@ -2058,7 +2121,7 @@
           <a:p>
             <a:fld id="{2BBC52A0-2F3F-497F-8536-39D60282E9C2}" type="slidenum">
               <a:rPr lang="de-CH" smtClean="0"/>
-              <a:t>4</a:t>
+              <a:t>5</a:t>
             </a:fld>
             <a:endParaRPr lang="de-CH"/>
           </a:p>
@@ -2142,7 +2205,7 @@
           <a:p>
             <a:fld id="{2BBC52A0-2F3F-497F-8536-39D60282E9C2}" type="slidenum">
               <a:rPr lang="de-CH" smtClean="0"/>
-              <a:t>5</a:t>
+              <a:t>6</a:t>
             </a:fld>
             <a:endParaRPr lang="de-CH"/>
           </a:p>
@@ -2226,7 +2289,7 @@
           <a:p>
             <a:fld id="{2BBC52A0-2F3F-497F-8536-39D60282E9C2}" type="slidenum">
               <a:rPr lang="de-CH" smtClean="0"/>
-              <a:t>7</a:t>
+              <a:t>8</a:t>
             </a:fld>
             <a:endParaRPr lang="de-CH"/>
           </a:p>
@@ -2382,7 +2445,7 @@
             </a:pPr>
             <a:fld id="{00000000-1234-1234-1234-123412341234}" type="slidenum">
               <a:rPr lang="de-CH"/>
-              <a:t>8</a:t>
+              <a:t>10</a:t>
             </a:fld>
             <a:endParaRPr/>
           </a:p>
@@ -2545,7 +2608,7 @@
           <a:p>
             <a:fld id="{9E9B238C-2335-4007-98C9-471C02CC43B6}" type="datetimeFigureOut">
               <a:rPr lang="de-CH" smtClean="0"/>
-              <a:t>07.02.2025</a:t>
+              <a:t>10.02.2025</a:t>
             </a:fld>
             <a:endParaRPr lang="de-CH"/>
           </a:p>
@@ -2745,7 +2808,7 @@
           <a:p>
             <a:fld id="{9E9B238C-2335-4007-98C9-471C02CC43B6}" type="datetimeFigureOut">
               <a:rPr lang="de-CH" smtClean="0"/>
-              <a:t>07.02.2025</a:t>
+              <a:t>10.02.2025</a:t>
             </a:fld>
             <a:endParaRPr lang="de-CH"/>
           </a:p>
@@ -2955,7 +3018,7 @@
           <a:p>
             <a:fld id="{9E9B238C-2335-4007-98C9-471C02CC43B6}" type="datetimeFigureOut">
               <a:rPr lang="de-CH" smtClean="0"/>
-              <a:t>07.02.2025</a:t>
+              <a:t>10.02.2025</a:t>
             </a:fld>
             <a:endParaRPr lang="de-CH"/>
           </a:p>
@@ -3155,7 +3218,7 @@
           <a:p>
             <a:fld id="{9E9B238C-2335-4007-98C9-471C02CC43B6}" type="datetimeFigureOut">
               <a:rPr lang="de-CH" smtClean="0"/>
-              <a:t>07.02.2025</a:t>
+              <a:t>10.02.2025</a:t>
             </a:fld>
             <a:endParaRPr lang="de-CH"/>
           </a:p>
@@ -3431,7 +3494,7 @@
           <a:p>
             <a:fld id="{9E9B238C-2335-4007-98C9-471C02CC43B6}" type="datetimeFigureOut">
               <a:rPr lang="de-CH" smtClean="0"/>
-              <a:t>07.02.2025</a:t>
+              <a:t>10.02.2025</a:t>
             </a:fld>
             <a:endParaRPr lang="de-CH"/>
           </a:p>
@@ -3699,7 +3762,7 @@
           <a:p>
             <a:fld id="{9E9B238C-2335-4007-98C9-471C02CC43B6}" type="datetimeFigureOut">
               <a:rPr lang="de-CH" smtClean="0"/>
-              <a:t>07.02.2025</a:t>
+              <a:t>10.02.2025</a:t>
             </a:fld>
             <a:endParaRPr lang="de-CH"/>
           </a:p>
@@ -4114,7 +4177,7 @@
           <a:p>
             <a:fld id="{9E9B238C-2335-4007-98C9-471C02CC43B6}" type="datetimeFigureOut">
               <a:rPr lang="de-CH" smtClean="0"/>
-              <a:t>07.02.2025</a:t>
+              <a:t>10.02.2025</a:t>
             </a:fld>
             <a:endParaRPr lang="de-CH"/>
           </a:p>
@@ -4256,7 +4319,7 @@
           <a:p>
             <a:fld id="{9E9B238C-2335-4007-98C9-471C02CC43B6}" type="datetimeFigureOut">
               <a:rPr lang="de-CH" smtClean="0"/>
-              <a:t>07.02.2025</a:t>
+              <a:t>10.02.2025</a:t>
             </a:fld>
             <a:endParaRPr lang="de-CH"/>
           </a:p>
@@ -4369,7 +4432,7 @@
           <a:p>
             <a:fld id="{9E9B238C-2335-4007-98C9-471C02CC43B6}" type="datetimeFigureOut">
               <a:rPr lang="de-CH" smtClean="0"/>
-              <a:t>07.02.2025</a:t>
+              <a:t>10.02.2025</a:t>
             </a:fld>
             <a:endParaRPr lang="de-CH"/>
           </a:p>
@@ -4682,7 +4745,7 @@
           <a:p>
             <a:fld id="{9E9B238C-2335-4007-98C9-471C02CC43B6}" type="datetimeFigureOut">
               <a:rPr lang="de-CH" smtClean="0"/>
-              <a:t>07.02.2025</a:t>
+              <a:t>10.02.2025</a:t>
             </a:fld>
             <a:endParaRPr lang="de-CH"/>
           </a:p>
@@ -4971,7 +5034,7 @@
           <a:p>
             <a:fld id="{9E9B238C-2335-4007-98C9-471C02CC43B6}" type="datetimeFigureOut">
               <a:rPr lang="de-CH" smtClean="0"/>
-              <a:t>07.02.2025</a:t>
+              <a:t>10.02.2025</a:t>
             </a:fld>
             <a:endParaRPr lang="de-CH"/>
           </a:p>
@@ -5214,7 +5277,7 @@
           <a:p>
             <a:fld id="{9E9B238C-2335-4007-98C9-471C02CC43B6}" type="datetimeFigureOut">
               <a:rPr lang="de-CH" smtClean="0"/>
-              <a:t>07.02.2025</a:t>
+              <a:t>10.02.2025</a:t>
             </a:fld>
             <a:endParaRPr lang="de-CH"/>
           </a:p>
@@ -6024,7 +6087,7 @@
               <a:rPr lang="de-CH" sz="1400" dirty="0">
                 <a:latin typeface="+mj-lt"/>
               </a:rPr>
-              <a:t>7. </a:t>
+              <a:t>10. </a:t>
             </a:r>
             <a:r>
               <a:rPr lang="de-CH" sz="1400" dirty="0" err="1">
@@ -6070,6 +6133,73 @@
 </file>
 
 <file path=ppt/slides/slide10.xml><?xml version="1.0" encoding="utf-8"?>
+<p:sld xmlns:a="http://schemas.openxmlformats.org/drawingml/2006/main" xmlns:r="http://schemas.openxmlformats.org/officeDocument/2006/relationships" xmlns:p="http://schemas.openxmlformats.org/presentationml/2006/main">
+  <p:cSld>
+    <p:spTree>
+      <p:nvGrpSpPr>
+        <p:cNvPr id="1" name="Shape 250"/>
+        <p:cNvGrpSpPr/>
+        <p:nvPr/>
+      </p:nvGrpSpPr>
+      <p:grpSpPr>
+        <a:xfrm>
+          <a:off x="0" y="0"/>
+          <a:ext cx="0" cy="0"/>
+          <a:chOff x="0" y="0"/>
+          <a:chExt cx="0" cy="0"/>
+        </a:xfrm>
+      </p:grpSpPr>
+      <p:sp>
+        <p:nvSpPr>
+          <p:cNvPr id="251" name="Google Shape;251;p30"/>
+          <p:cNvSpPr txBox="1">
+            <a:spLocks noGrp="1"/>
+          </p:cNvSpPr>
+          <p:nvPr>
+            <p:ph type="ctrTitle"/>
+          </p:nvPr>
+        </p:nvSpPr>
+        <p:spPr>
+          <a:xfrm>
+            <a:off x="1524000" y="1122363"/>
+            <a:ext cx="9144000" cy="2387700"/>
+          </a:xfrm>
+          <a:prstGeom prst="rect">
+            <a:avLst/>
+          </a:prstGeom>
+        </p:spPr>
+        <p:txBody>
+          <a:bodyPr spcFirstLastPara="1" wrap="square" lIns="91425" tIns="45700" rIns="91425" bIns="45700" anchor="b" anchorCtr="0">
+            <a:normAutofit/>
+          </a:bodyPr>
+          <a:lstStyle/>
+          <a:p>
+            <a:pPr marL="0" lvl="0" indent="0" algn="ctr" rtl="0">
+              <a:spcBef>
+                <a:spcPts val="0"/>
+              </a:spcBef>
+              <a:spcAft>
+                <a:spcPts val="0"/>
+              </a:spcAft>
+              <a:buNone/>
+            </a:pPr>
+            <a:r>
+              <a:rPr lang="de-CH"/>
+              <a:t>BACKUP</a:t>
+            </a:r>
+            <a:endParaRPr/>
+          </a:p>
+        </p:txBody>
+      </p:sp>
+    </p:spTree>
+  </p:cSld>
+  <p:clrMapOvr>
+    <a:masterClrMapping/>
+  </p:clrMapOvr>
+</p:sld>
+</file>
+
+<file path=ppt/slides/slide11.xml><?xml version="1.0" encoding="utf-8"?>
 <p:sld xmlns:a="http://schemas.openxmlformats.org/drawingml/2006/main" xmlns:r="http://schemas.openxmlformats.org/officeDocument/2006/relationships" xmlns:p="http://schemas.openxmlformats.org/presentationml/2006/main">
   <p:cSld>
     <p:spTree>
@@ -6117,22 +6247,489 @@
               <a:rPr lang="en-GB" sz="3600" dirty="0"/>
             </a:br>
             <a:r>
-              <a:rPr lang="de-CH" sz="2700" dirty="0">
+              <a:rPr lang="en-GB" sz="2700" dirty="0">
                 <a:solidFill>
                   <a:schemeClr val="bg2">
                     <a:lumMod val="75000"/>
                   </a:schemeClr>
                 </a:solidFill>
               </a:rPr>
-              <a:t>Implementation Status</a:t>
-            </a:r>
-            <a:endParaRPr lang="en-US" sz="2700" dirty="0">
-              <a:solidFill>
-                <a:schemeClr val="bg2">
-                  <a:lumMod val="75000"/>
-                </a:schemeClr>
-              </a:solidFill>
-            </a:endParaRPr>
+              <a:t>Status, Summary and </a:t>
+            </a:r>
+            <a:r>
+              <a:rPr lang="en-US" sz="2700" dirty="0">
+                <a:solidFill>
+                  <a:schemeClr val="bg2">
+                    <a:lumMod val="75000"/>
+                  </a:schemeClr>
+                </a:solidFill>
+              </a:rPr>
+              <a:t>Next steps</a:t>
+            </a:r>
+          </a:p>
+        </p:txBody>
+      </p:sp>
+      <p:sp>
+        <p:nvSpPr>
+          <p:cNvPr id="3" name="Content Placeholder 2">
+            <a:extLst>
+              <a:ext uri="{FF2B5EF4-FFF2-40B4-BE49-F238E27FC236}">
+                <a16:creationId xmlns:a16="http://schemas.microsoft.com/office/drawing/2014/main" id="{29C0DFD4-432D-4B0C-93DF-790441DCF5B9}"/>
+              </a:ext>
+            </a:extLst>
+          </p:cNvPr>
+          <p:cNvSpPr>
+            <a:spLocks noGrp="1"/>
+          </p:cNvSpPr>
+          <p:nvPr>
+            <p:ph idx="1"/>
+          </p:nvPr>
+        </p:nvSpPr>
+        <p:spPr>
+          <a:xfrm>
+            <a:off x="838200" y="1772816"/>
+            <a:ext cx="6660502" cy="4404148"/>
+          </a:xfrm>
+        </p:spPr>
+        <p:txBody>
+          <a:bodyPr>
+            <a:noAutofit/>
+          </a:bodyPr>
+          <a:lstStyle/>
+          <a:p>
+            <a:pPr marL="0" indent="0">
+              <a:buNone/>
+            </a:pPr>
+            <a:r>
+              <a:rPr lang="en-US" sz="1700" b="1" dirty="0">
+                <a:latin typeface="Calibri Body"/>
+              </a:rPr>
+              <a:t>Changes in -05</a:t>
+            </a:r>
+          </a:p>
+          <a:p>
+            <a:pPr>
+              <a:spcBef>
+                <a:spcPts val="0"/>
+              </a:spcBef>
+            </a:pPr>
+            <a:r>
+              <a:rPr lang="en-US" sz="1700" dirty="0">
+                <a:effectLst/>
+                <a:latin typeface="Calibri Body"/>
+                <a:ea typeface="Times New Roman" panose="02020603050405020304" pitchFamily="18" charset="0"/>
+              </a:rPr>
+              <a:t>Section 4.1 covers now</a:t>
+            </a:r>
+          </a:p>
+          <a:p>
+            <a:pPr lvl="1">
+              <a:spcBef>
+                <a:spcPts val="0"/>
+              </a:spcBef>
+            </a:pPr>
+            <a:r>
+              <a:rPr lang="en-US" sz="1700" u="sng" dirty="0">
+                <a:solidFill>
+                  <a:srgbClr val="0563C1"/>
+                </a:solidFill>
+                <a:effectLst/>
+                <a:latin typeface="Calibri Body"/>
+                <a:ea typeface="Times New Roman" panose="02020603050405020304" pitchFamily="18" charset="0"/>
+                <a:hlinkClick r:id="rId2"/>
+              </a:rPr>
+              <a:t>draft-</a:t>
+            </a:r>
+            <a:r>
+              <a:rPr lang="en-US" sz="1700" u="sng" dirty="0" err="1">
+                <a:solidFill>
+                  <a:srgbClr val="0563C1"/>
+                </a:solidFill>
+                <a:effectLst/>
+                <a:latin typeface="Calibri Body"/>
+                <a:ea typeface="Times New Roman" panose="02020603050405020304" pitchFamily="18" charset="0"/>
+                <a:hlinkClick r:id="rId2"/>
+              </a:rPr>
+              <a:t>netana</a:t>
+            </a:r>
+            <a:r>
+              <a:rPr lang="en-US" sz="1700" u="sng" dirty="0">
+                <a:solidFill>
+                  <a:srgbClr val="0563C1"/>
+                </a:solidFill>
+                <a:effectLst/>
+                <a:latin typeface="Calibri Body"/>
+                <a:ea typeface="Times New Roman" panose="02020603050405020304" pitchFamily="18" charset="0"/>
+                <a:hlinkClick r:id="rId2"/>
+              </a:rPr>
+              <a:t>-netconf-</a:t>
+            </a:r>
+            <a:r>
+              <a:rPr lang="en-US" sz="1700" u="sng" dirty="0" err="1">
+                <a:solidFill>
+                  <a:srgbClr val="0563C1"/>
+                </a:solidFill>
+                <a:effectLst/>
+                <a:latin typeface="Calibri Body"/>
+                <a:ea typeface="Times New Roman" panose="02020603050405020304" pitchFamily="18" charset="0"/>
+                <a:hlinkClick r:id="rId2"/>
+              </a:rPr>
+              <a:t>yp</a:t>
+            </a:r>
+            <a:r>
+              <a:rPr lang="en-US" sz="1700" u="sng" dirty="0">
+                <a:solidFill>
+                  <a:srgbClr val="0563C1"/>
+                </a:solidFill>
+                <a:effectLst/>
+                <a:latin typeface="Calibri Body"/>
+                <a:ea typeface="Times New Roman" panose="02020603050405020304" pitchFamily="18" charset="0"/>
+                <a:hlinkClick r:id="rId2"/>
+              </a:rPr>
+              <a:t>-transport-capabilities</a:t>
+            </a:r>
+            <a:r>
+              <a:rPr lang="en-US" sz="1700" dirty="0">
+                <a:effectLst/>
+                <a:latin typeface="Calibri Body"/>
+                <a:ea typeface="Times New Roman" panose="02020603050405020304" pitchFamily="18" charset="0"/>
+              </a:rPr>
+              <a:t> which helps the NETCONF, RESTCONF client performing YANG-Push subscription to discover the YANG-Push transport, encoding and security capabilities of the YANG-Push publisher.</a:t>
+            </a:r>
+          </a:p>
+          <a:p>
+            <a:pPr lvl="1">
+              <a:spcBef>
+                <a:spcPts val="0"/>
+              </a:spcBef>
+            </a:pPr>
+            <a:r>
+              <a:rPr lang="en-US" sz="1700" u="sng" dirty="0">
+                <a:solidFill>
+                  <a:srgbClr val="0563C1"/>
+                </a:solidFill>
+                <a:effectLst/>
+                <a:latin typeface="Calibri Body"/>
+                <a:ea typeface="Times New Roman" panose="02020603050405020304" pitchFamily="18" charset="0"/>
+                <a:hlinkClick r:id="rId3"/>
+              </a:rPr>
+              <a:t>draft-</a:t>
+            </a:r>
+            <a:r>
+              <a:rPr lang="en-US" sz="1700" u="sng" dirty="0" err="1">
+                <a:solidFill>
+                  <a:srgbClr val="0563C1"/>
+                </a:solidFill>
+                <a:effectLst/>
+                <a:latin typeface="Calibri Body"/>
+                <a:ea typeface="Times New Roman" panose="02020603050405020304" pitchFamily="18" charset="0"/>
+                <a:hlinkClick r:id="rId3"/>
+              </a:rPr>
+              <a:t>netana</a:t>
+            </a:r>
+            <a:r>
+              <a:rPr lang="en-US" sz="1700" u="sng" dirty="0">
+                <a:solidFill>
+                  <a:srgbClr val="0563C1"/>
+                </a:solidFill>
+                <a:effectLst/>
+                <a:latin typeface="Calibri Body"/>
+                <a:ea typeface="Times New Roman" panose="02020603050405020304" pitchFamily="18" charset="0"/>
+                <a:hlinkClick r:id="rId3"/>
+              </a:rPr>
+              <a:t>-netconf-</a:t>
+            </a:r>
+            <a:r>
+              <a:rPr lang="en-US" sz="1700" u="sng" dirty="0" err="1">
+                <a:solidFill>
+                  <a:srgbClr val="0563C1"/>
+                </a:solidFill>
+                <a:effectLst/>
+                <a:latin typeface="Calibri Body"/>
+                <a:ea typeface="Times New Roman" panose="02020603050405020304" pitchFamily="18" charset="0"/>
+                <a:hlinkClick r:id="rId3"/>
+              </a:rPr>
+              <a:t>notif</a:t>
+            </a:r>
+            <a:r>
+              <a:rPr lang="en-US" sz="1700" u="sng" dirty="0">
+                <a:solidFill>
+                  <a:srgbClr val="0563C1"/>
+                </a:solidFill>
+                <a:effectLst/>
+                <a:latin typeface="Calibri Body"/>
+                <a:ea typeface="Times New Roman" panose="02020603050405020304" pitchFamily="18" charset="0"/>
+                <a:hlinkClick r:id="rId3"/>
+              </a:rPr>
+              <a:t>-envelope</a:t>
+            </a:r>
+            <a:r>
+              <a:rPr lang="en-US" sz="1700" dirty="0">
+                <a:effectLst/>
+                <a:latin typeface="Calibri Body"/>
+                <a:ea typeface="Times New Roman" panose="02020603050405020304" pitchFamily="18" charset="0"/>
+              </a:rPr>
+              <a:t> defines a new extensible notification structure, defined in YANG, for use in YANG-Push Notification messages enabling any YANG compatible encodings such as XML, JSON or CBOR. Replaces and consolidates draft-</a:t>
+            </a:r>
+            <a:r>
+              <a:rPr lang="en-US" sz="1700" dirty="0" err="1">
+                <a:effectLst/>
+                <a:latin typeface="Calibri Body"/>
+                <a:ea typeface="Times New Roman" panose="02020603050405020304" pitchFamily="18" charset="0"/>
+              </a:rPr>
+              <a:t>ahuang</a:t>
+            </a:r>
+            <a:r>
+              <a:rPr lang="en-US" sz="1700" dirty="0">
+                <a:effectLst/>
+                <a:latin typeface="Calibri Body"/>
+                <a:ea typeface="Times New Roman" panose="02020603050405020304" pitchFamily="18" charset="0"/>
+              </a:rPr>
+              <a:t>-netconf-</a:t>
+            </a:r>
+            <a:r>
+              <a:rPr lang="en-US" sz="1700" dirty="0" err="1">
+                <a:effectLst/>
+                <a:latin typeface="Calibri Body"/>
+                <a:ea typeface="Times New Roman" panose="02020603050405020304" pitchFamily="18" charset="0"/>
+              </a:rPr>
+              <a:t>notif</a:t>
+            </a:r>
+            <a:r>
+              <a:rPr lang="en-US" sz="1700" dirty="0">
+                <a:effectLst/>
+                <a:latin typeface="Calibri Body"/>
+                <a:ea typeface="Times New Roman" panose="02020603050405020304" pitchFamily="18" charset="0"/>
+              </a:rPr>
+              <a:t>-yang and draft-</a:t>
+            </a:r>
+            <a:r>
+              <a:rPr lang="en-US" sz="1700" dirty="0" err="1">
+                <a:effectLst/>
+                <a:latin typeface="Calibri Body"/>
+                <a:ea typeface="Times New Roman" panose="02020603050405020304" pitchFamily="18" charset="0"/>
+              </a:rPr>
+              <a:t>tgraf</a:t>
+            </a:r>
+            <a:r>
+              <a:rPr lang="en-US" sz="1700" dirty="0">
+                <a:effectLst/>
+                <a:latin typeface="Calibri Body"/>
+                <a:ea typeface="Times New Roman" panose="02020603050405020304" pitchFamily="18" charset="0"/>
+              </a:rPr>
+              <a:t>-netconf-</a:t>
+            </a:r>
+            <a:r>
+              <a:rPr lang="en-US" sz="1700" dirty="0" err="1">
+                <a:effectLst/>
+                <a:latin typeface="Calibri Body"/>
+                <a:ea typeface="Times New Roman" panose="02020603050405020304" pitchFamily="18" charset="0"/>
+              </a:rPr>
+              <a:t>notif</a:t>
+            </a:r>
+            <a:r>
+              <a:rPr lang="en-US" sz="1700" dirty="0">
+                <a:effectLst/>
+                <a:latin typeface="Calibri Body"/>
+                <a:ea typeface="Times New Roman" panose="02020603050405020304" pitchFamily="18" charset="0"/>
+              </a:rPr>
+              <a:t>-sequencing based on the outcome of the last NETCONF interim.</a:t>
+            </a:r>
+          </a:p>
+          <a:p>
+            <a:pPr>
+              <a:spcBef>
+                <a:spcPts val="0"/>
+              </a:spcBef>
+            </a:pPr>
+            <a:r>
+              <a:rPr lang="en-US" sz="1700" dirty="0">
+                <a:effectLst/>
+                <a:latin typeface="Calibri Body"/>
+                <a:ea typeface="Times New Roman" panose="02020603050405020304" pitchFamily="18" charset="0"/>
+              </a:rPr>
+              <a:t>Milestones for IETF 121 and 122 have been added.</a:t>
+            </a:r>
+          </a:p>
+          <a:p>
+            <a:pPr>
+              <a:spcBef>
+                <a:spcPts val="0"/>
+              </a:spcBef>
+            </a:pPr>
+            <a:r>
+              <a:rPr lang="en-US" sz="1700" dirty="0">
+                <a:effectLst/>
+                <a:latin typeface="Calibri Body"/>
+                <a:ea typeface="Times New Roman" panose="02020603050405020304" pitchFamily="18" charset="0"/>
+              </a:rPr>
+              <a:t>Open Points and YANG-Push notification examples have been updated reflecting the changes from </a:t>
+            </a:r>
+            <a:r>
+              <a:rPr lang="en-US" sz="1700" u="sng" dirty="0">
+                <a:solidFill>
+                  <a:srgbClr val="0563C1"/>
+                </a:solidFill>
+                <a:effectLst/>
+                <a:latin typeface="Calibri Body"/>
+                <a:ea typeface="Times New Roman" panose="02020603050405020304" pitchFamily="18" charset="0"/>
+                <a:hlinkClick r:id="rId2"/>
+              </a:rPr>
+              <a:t>draft-</a:t>
+            </a:r>
+            <a:r>
+              <a:rPr lang="en-US" sz="1700" u="sng" dirty="0" err="1">
+                <a:solidFill>
+                  <a:srgbClr val="0563C1"/>
+                </a:solidFill>
+                <a:effectLst/>
+                <a:latin typeface="Calibri Body"/>
+                <a:ea typeface="Times New Roman" panose="02020603050405020304" pitchFamily="18" charset="0"/>
+                <a:hlinkClick r:id="rId2"/>
+              </a:rPr>
+              <a:t>netana</a:t>
+            </a:r>
+            <a:r>
+              <a:rPr lang="en-US" sz="1700" u="sng" dirty="0">
+                <a:solidFill>
+                  <a:srgbClr val="0563C1"/>
+                </a:solidFill>
+                <a:effectLst/>
+                <a:latin typeface="Calibri Body"/>
+                <a:ea typeface="Times New Roman" panose="02020603050405020304" pitchFamily="18" charset="0"/>
+                <a:hlinkClick r:id="rId2"/>
+              </a:rPr>
+              <a:t>-netconf-</a:t>
+            </a:r>
+            <a:r>
+              <a:rPr lang="en-US" sz="1700" u="sng" dirty="0" err="1">
+                <a:solidFill>
+                  <a:srgbClr val="0563C1"/>
+                </a:solidFill>
+                <a:effectLst/>
+                <a:latin typeface="Calibri Body"/>
+                <a:ea typeface="Times New Roman" panose="02020603050405020304" pitchFamily="18" charset="0"/>
+                <a:hlinkClick r:id="rId2"/>
+              </a:rPr>
+              <a:t>yp</a:t>
+            </a:r>
+            <a:r>
+              <a:rPr lang="en-US" sz="1700" u="sng" dirty="0">
+                <a:solidFill>
+                  <a:srgbClr val="0563C1"/>
+                </a:solidFill>
+                <a:effectLst/>
+                <a:latin typeface="Calibri Body"/>
+                <a:ea typeface="Times New Roman" panose="02020603050405020304" pitchFamily="18" charset="0"/>
+                <a:hlinkClick r:id="rId2"/>
+              </a:rPr>
+              <a:t>-transport-capabilities</a:t>
+            </a:r>
+            <a:r>
+              <a:rPr lang="en-US" sz="1700" dirty="0">
+                <a:effectLst/>
+                <a:latin typeface="Calibri Body"/>
+                <a:ea typeface="Times New Roman" panose="02020603050405020304" pitchFamily="18" charset="0"/>
+              </a:rPr>
+              <a:t> and</a:t>
+            </a:r>
+            <a:r>
+              <a:rPr lang="en-US" sz="1700" u="sng" dirty="0">
+                <a:solidFill>
+                  <a:srgbClr val="0563C1"/>
+                </a:solidFill>
+                <a:effectLst/>
+                <a:latin typeface="Calibri Body"/>
+                <a:ea typeface="Times New Roman" panose="02020603050405020304" pitchFamily="18" charset="0"/>
+                <a:hlinkClick r:id="rId3"/>
+              </a:rPr>
+              <a:t> draft-</a:t>
+            </a:r>
+            <a:r>
+              <a:rPr lang="en-US" sz="1700" u="sng" dirty="0" err="1">
+                <a:solidFill>
+                  <a:srgbClr val="0563C1"/>
+                </a:solidFill>
+                <a:effectLst/>
+                <a:latin typeface="Calibri Body"/>
+                <a:ea typeface="Times New Roman" panose="02020603050405020304" pitchFamily="18" charset="0"/>
+                <a:hlinkClick r:id="rId3"/>
+              </a:rPr>
+              <a:t>netana</a:t>
+            </a:r>
+            <a:r>
+              <a:rPr lang="en-US" sz="1700" u="sng" dirty="0">
+                <a:solidFill>
+                  <a:srgbClr val="0563C1"/>
+                </a:solidFill>
+                <a:effectLst/>
+                <a:latin typeface="Calibri Body"/>
+                <a:ea typeface="Times New Roman" panose="02020603050405020304" pitchFamily="18" charset="0"/>
+                <a:hlinkClick r:id="rId3"/>
+              </a:rPr>
+              <a:t>-netconf-</a:t>
+            </a:r>
+            <a:r>
+              <a:rPr lang="en-US" sz="1700" u="sng" dirty="0" err="1">
+                <a:solidFill>
+                  <a:srgbClr val="0563C1"/>
+                </a:solidFill>
+                <a:effectLst/>
+                <a:latin typeface="Calibri Body"/>
+                <a:ea typeface="Times New Roman" panose="02020603050405020304" pitchFamily="18" charset="0"/>
+                <a:hlinkClick r:id="rId3"/>
+              </a:rPr>
+              <a:t>notif</a:t>
+            </a:r>
+            <a:r>
+              <a:rPr lang="en-US" sz="1700" u="sng" dirty="0">
+                <a:solidFill>
+                  <a:srgbClr val="0563C1"/>
+                </a:solidFill>
+                <a:effectLst/>
+                <a:latin typeface="Calibri Body"/>
+                <a:ea typeface="Times New Roman" panose="02020603050405020304" pitchFamily="18" charset="0"/>
+                <a:hlinkClick r:id="rId3"/>
+              </a:rPr>
+              <a:t>-envelope</a:t>
+            </a:r>
+            <a:r>
+              <a:rPr lang="en-US" sz="1700" dirty="0">
+                <a:effectLst/>
+                <a:latin typeface="Calibri Body"/>
+                <a:ea typeface="Times New Roman" panose="02020603050405020304" pitchFamily="18" charset="0"/>
+              </a:rPr>
+              <a:t>.</a:t>
+            </a:r>
+          </a:p>
+          <a:p>
+            <a:pPr marL="0" indent="0">
+              <a:buNone/>
+            </a:pPr>
+            <a:r>
+              <a:rPr lang="en-US" sz="1700" b="1" dirty="0">
+                <a:latin typeface="Calibri Body"/>
+              </a:rPr>
+              <a:t>Next Steps</a:t>
+            </a:r>
+          </a:p>
+          <a:p>
+            <a:pPr>
+              <a:spcBef>
+                <a:spcPts val="300"/>
+              </a:spcBef>
+              <a:buFont typeface="Wingdings" panose="05000000000000000000" pitchFamily="2" charset="2"/>
+              <a:buChar char="Ø"/>
+            </a:pPr>
+            <a:r>
+              <a:rPr lang="en-US" sz="1700" b="1" dirty="0">
+                <a:solidFill>
+                  <a:srgbClr val="FF0000"/>
+                </a:solidFill>
+                <a:latin typeface="Calibri Body"/>
+              </a:rPr>
+              <a:t>Looking forward for review and comments.</a:t>
+            </a:r>
           </a:p>
         </p:txBody>
       </p:sp>
@@ -6164,7 +6761,263 @@
           <a:p>
             <a:fld id="{FC4AC485-25DE-431E-B345-9C0A15BB7F8A}" type="slidenum">
               <a:rPr lang="de-CH" sz="1400" smtClean="0"/>
-              <a:t>10</a:t>
+              <a:t>11</a:t>
+            </a:fld>
+            <a:endParaRPr lang="de-CH" sz="1400" dirty="0"/>
+          </a:p>
+        </p:txBody>
+      </p:sp>
+      <p:pic>
+        <p:nvPicPr>
+          <p:cNvPr id="4" name="Picture 3">
+            <a:extLst>
+              <a:ext uri="{FF2B5EF4-FFF2-40B4-BE49-F238E27FC236}">
+                <a16:creationId xmlns:a16="http://schemas.microsoft.com/office/drawing/2014/main" id="{3F6FE370-7B96-20ED-12F6-496CEBE7C7B7}"/>
+              </a:ext>
+            </a:extLst>
+          </p:cNvPr>
+          <p:cNvPicPr>
+            <a:picLocks noChangeAspect="1"/>
+          </p:cNvPicPr>
+          <p:nvPr/>
+        </p:nvPicPr>
+        <p:blipFill>
+          <a:blip r:embed="rId4"/>
+          <a:stretch>
+            <a:fillRect/>
+          </a:stretch>
+        </p:blipFill>
+        <p:spPr>
+          <a:xfrm>
+            <a:off x="7739406" y="1289625"/>
+            <a:ext cx="3855098" cy="5288403"/>
+          </a:xfrm>
+          <a:prstGeom prst="rect">
+            <a:avLst/>
+          </a:prstGeom>
+        </p:spPr>
+      </p:pic>
+      <p:sp>
+        <p:nvSpPr>
+          <p:cNvPr id="5" name="Oval 4">
+            <a:extLst>
+              <a:ext uri="{FF2B5EF4-FFF2-40B4-BE49-F238E27FC236}">
+                <a16:creationId xmlns:a16="http://schemas.microsoft.com/office/drawing/2014/main" id="{A9CD1D68-6740-B60A-B5C6-3012DD46A668}"/>
+              </a:ext>
+            </a:extLst>
+          </p:cNvPr>
+          <p:cNvSpPr/>
+          <p:nvPr/>
+        </p:nvSpPr>
+        <p:spPr>
+          <a:xfrm>
+            <a:off x="8988225" y="5700304"/>
+            <a:ext cx="678730" cy="650450"/>
+          </a:xfrm>
+          <a:prstGeom prst="ellipse">
+            <a:avLst/>
+          </a:prstGeom>
+          <a:solidFill>
+            <a:srgbClr val="FF0000">
+              <a:alpha val="20000"/>
+            </a:srgbClr>
+          </a:solidFill>
+          <a:ln>
+            <a:solidFill>
+              <a:srgbClr val="FF0000"/>
+            </a:solidFill>
+          </a:ln>
+        </p:spPr>
+        <p:style>
+          <a:lnRef idx="2">
+            <a:schemeClr val="accent1">
+              <a:shade val="50000"/>
+            </a:schemeClr>
+          </a:lnRef>
+          <a:fillRef idx="1">
+            <a:schemeClr val="accent1"/>
+          </a:fillRef>
+          <a:effectRef idx="0">
+            <a:schemeClr val="accent1"/>
+          </a:effectRef>
+          <a:fontRef idx="minor">
+            <a:schemeClr val="lt1"/>
+          </a:fontRef>
+        </p:style>
+        <p:txBody>
+          <a:bodyPr rtlCol="0" anchor="ctr"/>
+          <a:lstStyle/>
+          <a:p>
+            <a:pPr algn="ctr"/>
+            <a:endParaRPr lang="de-CH"/>
+          </a:p>
+        </p:txBody>
+      </p:sp>
+      <p:sp>
+        <p:nvSpPr>
+          <p:cNvPr id="7" name="Oval 6">
+            <a:extLst>
+              <a:ext uri="{FF2B5EF4-FFF2-40B4-BE49-F238E27FC236}">
+                <a16:creationId xmlns:a16="http://schemas.microsoft.com/office/drawing/2014/main" id="{F1861884-AA79-8041-A708-D4652D546A08}"/>
+              </a:ext>
+            </a:extLst>
+          </p:cNvPr>
+          <p:cNvSpPr/>
+          <p:nvPr/>
+        </p:nvSpPr>
+        <p:spPr>
+          <a:xfrm>
+            <a:off x="10437609" y="5085368"/>
+            <a:ext cx="678730" cy="650450"/>
+          </a:xfrm>
+          <a:prstGeom prst="ellipse">
+            <a:avLst/>
+          </a:prstGeom>
+          <a:solidFill>
+            <a:srgbClr val="FF0000">
+              <a:alpha val="20000"/>
+            </a:srgbClr>
+          </a:solidFill>
+          <a:ln>
+            <a:solidFill>
+              <a:srgbClr val="FF0000"/>
+            </a:solidFill>
+          </a:ln>
+        </p:spPr>
+        <p:style>
+          <a:lnRef idx="2">
+            <a:schemeClr val="accent1">
+              <a:shade val="50000"/>
+            </a:schemeClr>
+          </a:lnRef>
+          <a:fillRef idx="1">
+            <a:schemeClr val="accent1"/>
+          </a:fillRef>
+          <a:effectRef idx="0">
+            <a:schemeClr val="accent1"/>
+          </a:effectRef>
+          <a:fontRef idx="minor">
+            <a:schemeClr val="lt1"/>
+          </a:fontRef>
+        </p:style>
+        <p:txBody>
+          <a:bodyPr rtlCol="0" anchor="ctr"/>
+          <a:lstStyle/>
+          <a:p>
+            <a:pPr algn="ctr"/>
+            <a:endParaRPr lang="de-CH"/>
+          </a:p>
+        </p:txBody>
+      </p:sp>
+    </p:spTree>
+    <p:extLst>
+      <p:ext uri="{BB962C8B-B14F-4D97-AF65-F5344CB8AC3E}">
+        <p14:creationId xmlns:p14="http://schemas.microsoft.com/office/powerpoint/2010/main" val="2617504443"/>
+      </p:ext>
+    </p:extLst>
+  </p:cSld>
+  <p:clrMapOvr>
+    <a:masterClrMapping/>
+  </p:clrMapOvr>
+</p:sld>
+</file>
+
+<file path=ppt/slides/slide12.xml><?xml version="1.0" encoding="utf-8"?>
+<p:sld xmlns:a="http://schemas.openxmlformats.org/drawingml/2006/main" xmlns:r="http://schemas.openxmlformats.org/officeDocument/2006/relationships" xmlns:p="http://schemas.openxmlformats.org/presentationml/2006/main">
+  <p:cSld>
+    <p:spTree>
+      <p:nvGrpSpPr>
+        <p:cNvPr id="1" name=""/>
+        <p:cNvGrpSpPr/>
+        <p:nvPr/>
+      </p:nvGrpSpPr>
+      <p:grpSpPr>
+        <a:xfrm>
+          <a:off x="0" y="0"/>
+          <a:ext cx="0" cy="0"/>
+          <a:chOff x="0" y="0"/>
+          <a:chExt cx="0" cy="0"/>
+        </a:xfrm>
+      </p:grpSpPr>
+      <p:sp>
+        <p:nvSpPr>
+          <p:cNvPr id="2" name="Title 1">
+            <a:extLst>
+              <a:ext uri="{FF2B5EF4-FFF2-40B4-BE49-F238E27FC236}">
+                <a16:creationId xmlns:a16="http://schemas.microsoft.com/office/drawing/2014/main" id="{FF20F271-6F0D-4AC0-BB1D-F5C338165C13}"/>
+              </a:ext>
+            </a:extLst>
+          </p:cNvPr>
+          <p:cNvSpPr>
+            <a:spLocks noGrp="1"/>
+          </p:cNvSpPr>
+          <p:nvPr>
+            <p:ph type="title"/>
+          </p:nvPr>
+        </p:nvSpPr>
+        <p:spPr/>
+        <p:txBody>
+          <a:bodyPr>
+            <a:normAutofit/>
+          </a:bodyPr>
+          <a:lstStyle/>
+          <a:p>
+            <a:r>
+              <a:rPr lang="en-US" sz="2800" b="1" dirty="0"/>
+              <a:t>An Architecture for YANG-Push to Message Broker Integration</a:t>
+            </a:r>
+            <a:br>
+              <a:rPr lang="en-GB" sz="3600" dirty="0"/>
+            </a:br>
+            <a:r>
+              <a:rPr lang="de-CH" sz="2700" dirty="0">
+                <a:solidFill>
+                  <a:schemeClr val="bg2">
+                    <a:lumMod val="75000"/>
+                  </a:schemeClr>
+                </a:solidFill>
+              </a:rPr>
+              <a:t>Implementation Status</a:t>
+            </a:r>
+            <a:endParaRPr lang="en-US" sz="2700" dirty="0">
+              <a:solidFill>
+                <a:schemeClr val="bg2">
+                  <a:lumMod val="75000"/>
+                </a:schemeClr>
+              </a:solidFill>
+            </a:endParaRPr>
+          </a:p>
+        </p:txBody>
+      </p:sp>
+      <p:sp>
+        <p:nvSpPr>
+          <p:cNvPr id="8" name="Slide Number Placeholder 1">
+            <a:extLst>
+              <a:ext uri="{FF2B5EF4-FFF2-40B4-BE49-F238E27FC236}">
+                <a16:creationId xmlns:a16="http://schemas.microsoft.com/office/drawing/2014/main" id="{F03D7BF8-F90A-4F8C-8FCE-B1DB1DEC687A}"/>
+              </a:ext>
+            </a:extLst>
+          </p:cNvPr>
+          <p:cNvSpPr>
+            <a:spLocks noGrp="1"/>
+          </p:cNvSpPr>
+          <p:nvPr>
+            <p:ph type="sldNum" sz="quarter" idx="12"/>
+          </p:nvPr>
+        </p:nvSpPr>
+        <p:spPr>
+          <a:xfrm>
+            <a:off x="11587892" y="6361637"/>
+            <a:ext cx="414251" cy="365125"/>
+          </a:xfrm>
+        </p:spPr>
+        <p:txBody>
+          <a:bodyPr/>
+          <a:lstStyle/>
+          <a:p>
+            <a:fld id="{FC4AC485-25DE-431E-B345-9C0A15BB7F8A}" type="slidenum">
+              <a:rPr lang="de-CH" sz="1400" smtClean="0"/>
+              <a:t>12</a:t>
             </a:fld>
             <a:endParaRPr lang="de-CH" sz="1400" dirty="0"/>
           </a:p>
@@ -6418,6 +7271,166 @@
       </p:grpSpPr>
       <p:sp>
         <p:nvSpPr>
+          <p:cNvPr id="5" name="Titel 1">
+            <a:extLst>
+              <a:ext uri="{FF2B5EF4-FFF2-40B4-BE49-F238E27FC236}">
+                <a16:creationId xmlns:a16="http://schemas.microsoft.com/office/drawing/2014/main" id="{C26208B2-0D10-4C23-B2DE-372A62E98644}"/>
+              </a:ext>
+            </a:extLst>
+          </p:cNvPr>
+          <p:cNvSpPr txBox="1">
+            <a:spLocks/>
+          </p:cNvSpPr>
+          <p:nvPr/>
+        </p:nvSpPr>
+        <p:spPr>
+          <a:xfrm>
+            <a:off x="606830" y="1365772"/>
+            <a:ext cx="11395314" cy="3239002"/>
+          </a:xfrm>
+          <a:prstGeom prst="rect">
+            <a:avLst/>
+          </a:prstGeom>
+        </p:spPr>
+        <p:txBody>
+          <a:bodyPr vert="horz" lIns="91440" tIns="45720" rIns="91440" bIns="45720" rtlCol="0" anchor="ctr">
+            <a:normAutofit/>
+          </a:bodyPr>
+          <a:lstStyle>
+            <a:lvl1pPr algn="l" defTabSz="914400" rtl="0" eaLnBrk="1" latinLnBrk="0" hangingPunct="1">
+              <a:lnSpc>
+                <a:spcPct val="90000"/>
+              </a:lnSpc>
+              <a:spcBef>
+                <a:spcPct val="0"/>
+              </a:spcBef>
+              <a:buNone/>
+              <a:defRPr sz="4400" kern="1200">
+                <a:solidFill>
+                  <a:schemeClr val="tx1"/>
+                </a:solidFill>
+                <a:latin typeface="+mj-lt"/>
+                <a:ea typeface="+mj-ea"/>
+                <a:cs typeface="+mj-cs"/>
+              </a:defRPr>
+            </a:lvl1pPr>
+          </a:lstStyle>
+          <a:p>
+            <a:r>
+              <a:rPr lang="en-US" sz="3400" b="1" dirty="0"/>
+              <a:t>Goals of today’s Interim meeting</a:t>
+            </a:r>
+          </a:p>
+          <a:p>
+            <a:endParaRPr lang="en-US" sz="3400" b="1" dirty="0"/>
+          </a:p>
+          <a:p>
+            <a:pPr marL="457200" indent="-457200">
+              <a:spcBef>
+                <a:spcPts val="1200"/>
+              </a:spcBef>
+              <a:buFont typeface="Wingdings" panose="05000000000000000000" pitchFamily="2" charset="2"/>
+              <a:buChar char="Ø"/>
+            </a:pPr>
+            <a:r>
+              <a:rPr lang="en-US" sz="2800" dirty="0"/>
+              <a:t>Establish a common understanding on relationships to YANG-Push notification and capabilities documents.</a:t>
+            </a:r>
+          </a:p>
+          <a:p>
+            <a:pPr marL="457200" indent="-457200">
+              <a:spcBef>
+                <a:spcPts val="1200"/>
+              </a:spcBef>
+              <a:buFont typeface="Wingdings" panose="05000000000000000000" pitchFamily="2" charset="2"/>
+              <a:buChar char="Ø"/>
+            </a:pPr>
+            <a:r>
+              <a:rPr lang="en-US" sz="2800" dirty="0"/>
+              <a:t>Document and implementation status is clarified.</a:t>
+            </a:r>
+          </a:p>
+          <a:p>
+            <a:pPr marL="457200" indent="-457200">
+              <a:spcBef>
+                <a:spcPts val="1200"/>
+              </a:spcBef>
+              <a:buFont typeface="Wingdings" panose="05000000000000000000" pitchFamily="2" charset="2"/>
+              <a:buChar char="Ø"/>
+            </a:pPr>
+            <a:r>
+              <a:rPr lang="en-US" sz="2800" dirty="0"/>
+              <a:t>Current blocking points are well understood.</a:t>
+            </a:r>
+          </a:p>
+        </p:txBody>
+      </p:sp>
+      <p:sp>
+        <p:nvSpPr>
+          <p:cNvPr id="2" name="Slide Number Placeholder 1">
+            <a:extLst>
+              <a:ext uri="{FF2B5EF4-FFF2-40B4-BE49-F238E27FC236}">
+                <a16:creationId xmlns:a16="http://schemas.microsoft.com/office/drawing/2014/main" id="{AD23057C-339A-4254-8994-8EB77B8B4163}"/>
+              </a:ext>
+            </a:extLst>
+          </p:cNvPr>
+          <p:cNvSpPr>
+            <a:spLocks noGrp="1"/>
+          </p:cNvSpPr>
+          <p:nvPr>
+            <p:ph type="sldNum" sz="quarter" idx="12"/>
+          </p:nvPr>
+        </p:nvSpPr>
+        <p:spPr>
+          <a:xfrm>
+            <a:off x="11587892" y="6361637"/>
+            <a:ext cx="414251" cy="365125"/>
+          </a:xfrm>
+        </p:spPr>
+        <p:txBody>
+          <a:bodyPr/>
+          <a:lstStyle/>
+          <a:p>
+            <a:fld id="{FC4AC485-25DE-431E-B345-9C0A15BB7F8A}" type="slidenum">
+              <a:rPr lang="de-CH" sz="2200" smtClean="0"/>
+              <a:t>3</a:t>
+            </a:fld>
+            <a:endParaRPr lang="de-CH" sz="2200" dirty="0"/>
+          </a:p>
+        </p:txBody>
+      </p:sp>
+    </p:spTree>
+    <p:extLst>
+      <p:ext uri="{BB962C8B-B14F-4D97-AF65-F5344CB8AC3E}">
+        <p14:creationId xmlns:p14="http://schemas.microsoft.com/office/powerpoint/2010/main" val="1674016052"/>
+      </p:ext>
+    </p:extLst>
+  </p:cSld>
+  <p:clrMapOvr>
+    <a:masterClrMapping/>
+  </p:clrMapOvr>
+</p:sld>
+</file>
+
+<file path=ppt/slides/slide4.xml><?xml version="1.0" encoding="utf-8"?>
+<p:sld xmlns:a="http://schemas.openxmlformats.org/drawingml/2006/main" xmlns:r="http://schemas.openxmlformats.org/officeDocument/2006/relationships" xmlns:p="http://schemas.openxmlformats.org/presentationml/2006/main">
+  <p:cSld>
+    <p:spTree>
+      <p:nvGrpSpPr>
+        <p:cNvPr id="1" name=""/>
+        <p:cNvGrpSpPr/>
+        <p:nvPr/>
+      </p:nvGrpSpPr>
+      <p:grpSpPr>
+        <a:xfrm>
+          <a:off x="0" y="0"/>
+          <a:ext cx="0" cy="0"/>
+          <a:chOff x="0" y="0"/>
+          <a:chExt cx="0" cy="0"/>
+        </a:xfrm>
+      </p:grpSpPr>
+      <p:sp>
+        <p:nvSpPr>
           <p:cNvPr id="3" name="Content Placeholder 2">
             <a:extLst>
               <a:ext uri="{FF2B5EF4-FFF2-40B4-BE49-F238E27FC236}">
@@ -6931,7 +7944,7 @@
           <a:p>
             <a:fld id="{FC4AC485-25DE-431E-B345-9C0A15BB7F8A}" type="slidenum">
               <a:rPr lang="de-CH" sz="1400" smtClean="0"/>
-              <a:t>3</a:t>
+              <a:t>4</a:t>
             </a:fld>
             <a:endParaRPr lang="de-CH" sz="1400" dirty="0"/>
           </a:p>
@@ -7028,7 +8041,7 @@
 </p:sld>
 </file>
 
-<file path=ppt/slides/slide4.xml><?xml version="1.0" encoding="utf-8"?>
+<file path=ppt/slides/slide5.xml><?xml version="1.0" encoding="utf-8"?>
 <p:sld xmlns:a="http://schemas.openxmlformats.org/drawingml/2006/main" xmlns:r="http://schemas.openxmlformats.org/officeDocument/2006/relationships" xmlns:p="http://schemas.openxmlformats.org/presentationml/2006/main">
   <p:cSld>
     <p:spTree>
@@ -7446,7 +8459,7 @@
           <a:p>
             <a:fld id="{FC4AC485-25DE-431E-B345-9C0A15BB7F8A}" type="slidenum">
               <a:rPr lang="de-CH" sz="1400" smtClean="0"/>
-              <a:t>4</a:t>
+              <a:t>5</a:t>
             </a:fld>
             <a:endParaRPr lang="de-CH" sz="1400" dirty="0"/>
           </a:p>
@@ -7465,7 +8478,7 @@
 </p:sld>
 </file>
 
-<file path=ppt/slides/slide5.xml><?xml version="1.0" encoding="utf-8"?>
+<file path=ppt/slides/slide6.xml><?xml version="1.0" encoding="utf-8"?>
 <p:sld xmlns:a="http://schemas.openxmlformats.org/drawingml/2006/main" xmlns:r="http://schemas.openxmlformats.org/officeDocument/2006/relationships" xmlns:p="http://schemas.openxmlformats.org/presentationml/2006/main">
   <p:cSld>
     <p:spTree>
@@ -8333,7 +9346,7 @@
           <a:p>
             <a:fld id="{FC4AC485-25DE-431E-B345-9C0A15BB7F8A}" type="slidenum">
               <a:rPr lang="de-CH" sz="1400" smtClean="0"/>
-              <a:t>5</a:t>
+              <a:t>6</a:t>
             </a:fld>
             <a:endParaRPr lang="de-CH" sz="1400" dirty="0"/>
           </a:p>
@@ -9261,7 +10274,7 @@
 </p:sld>
 </file>
 
-<file path=ppt/slides/slide6.xml><?xml version="1.0" encoding="utf-8"?>
+<file path=ppt/slides/slide7.xml><?xml version="1.0" encoding="utf-8"?>
 <p:sld xmlns:a="http://schemas.openxmlformats.org/drawingml/2006/main" xmlns:r="http://schemas.openxmlformats.org/officeDocument/2006/relationships" xmlns:p="http://schemas.openxmlformats.org/presentationml/2006/main">
   <p:cSld>
     <p:spTree>
@@ -9407,7 +10420,7 @@
           <a:p>
             <a:fld id="{FC4AC485-25DE-431E-B345-9C0A15BB7F8A}" type="slidenum">
               <a:rPr lang="de-CH" sz="1400" smtClean="0"/>
-              <a:t>6</a:t>
+              <a:t>7</a:t>
             </a:fld>
             <a:endParaRPr lang="de-CH" sz="1400" dirty="0"/>
           </a:p>
@@ -9598,7 +10611,7 @@
 </p:sld>
 </file>
 
-<file path=ppt/slides/slide7.xml><?xml version="1.0" encoding="utf-8"?>
+<file path=ppt/slides/slide8.xml><?xml version="1.0" encoding="utf-8"?>
 <p:sld xmlns:a="http://schemas.openxmlformats.org/drawingml/2006/main" xmlns:r="http://schemas.openxmlformats.org/officeDocument/2006/relationships" xmlns:p="http://schemas.openxmlformats.org/presentationml/2006/main">
   <p:cSld>
     <p:spTree>
@@ -10171,7 +11184,7 @@
           <a:p>
             <a:fld id="{FC4AC485-25DE-431E-B345-9C0A15BB7F8A}" type="slidenum">
               <a:rPr lang="de-CH" sz="1400" smtClean="0"/>
-              <a:t>7</a:t>
+              <a:t>8</a:t>
             </a:fld>
             <a:endParaRPr lang="de-CH" sz="1400" dirty="0"/>
           </a:p>
@@ -10183,73 +11196,6 @@
         <p14:creationId xmlns:p14="http://schemas.microsoft.com/office/powerpoint/2010/main" val="179949106"/>
       </p:ext>
     </p:extLst>
-  </p:cSld>
-  <p:clrMapOvr>
-    <a:masterClrMapping/>
-  </p:clrMapOvr>
-</p:sld>
-</file>
-
-<file path=ppt/slides/slide8.xml><?xml version="1.0" encoding="utf-8"?>
-<p:sld xmlns:a="http://schemas.openxmlformats.org/drawingml/2006/main" xmlns:r="http://schemas.openxmlformats.org/officeDocument/2006/relationships" xmlns:p="http://schemas.openxmlformats.org/presentationml/2006/main">
-  <p:cSld>
-    <p:spTree>
-      <p:nvGrpSpPr>
-        <p:cNvPr id="1" name="Shape 250"/>
-        <p:cNvGrpSpPr/>
-        <p:nvPr/>
-      </p:nvGrpSpPr>
-      <p:grpSpPr>
-        <a:xfrm>
-          <a:off x="0" y="0"/>
-          <a:ext cx="0" cy="0"/>
-          <a:chOff x="0" y="0"/>
-          <a:chExt cx="0" cy="0"/>
-        </a:xfrm>
-      </p:grpSpPr>
-      <p:sp>
-        <p:nvSpPr>
-          <p:cNvPr id="251" name="Google Shape;251;p30"/>
-          <p:cNvSpPr txBox="1">
-            <a:spLocks noGrp="1"/>
-          </p:cNvSpPr>
-          <p:nvPr>
-            <p:ph type="ctrTitle"/>
-          </p:nvPr>
-        </p:nvSpPr>
-        <p:spPr>
-          <a:xfrm>
-            <a:off x="1524000" y="1122363"/>
-            <a:ext cx="9144000" cy="2387700"/>
-          </a:xfrm>
-          <a:prstGeom prst="rect">
-            <a:avLst/>
-          </a:prstGeom>
-        </p:spPr>
-        <p:txBody>
-          <a:bodyPr spcFirstLastPara="1" wrap="square" lIns="91425" tIns="45700" rIns="91425" bIns="45700" anchor="b" anchorCtr="0">
-            <a:normAutofit/>
-          </a:bodyPr>
-          <a:lstStyle/>
-          <a:p>
-            <a:pPr marL="0" lvl="0" indent="0" algn="ctr" rtl="0">
-              <a:spcBef>
-                <a:spcPts val="0"/>
-              </a:spcBef>
-              <a:spcAft>
-                <a:spcPts val="0"/>
-              </a:spcAft>
-              <a:buNone/>
-            </a:pPr>
-            <a:r>
-              <a:rPr lang="de-CH"/>
-              <a:t>BACKUP</a:t>
-            </a:r>
-            <a:endParaRPr/>
-          </a:p>
-        </p:txBody>
-      </p:sp>
-    </p:spTree>
   </p:cSld>
   <p:clrMapOvr>
     <a:masterClrMapping/>
@@ -10276,527 +11222,158 @@
       </p:grpSpPr>
       <p:sp>
         <p:nvSpPr>
-          <p:cNvPr id="2" name="Title 1">
+          <p:cNvPr id="5" name="Titel 1">
             <a:extLst>
               <a:ext uri="{FF2B5EF4-FFF2-40B4-BE49-F238E27FC236}">
-                <a16:creationId xmlns:a16="http://schemas.microsoft.com/office/drawing/2014/main" id="{FF20F271-6F0D-4AC0-BB1D-F5C338165C13}"/>
+                <a16:creationId xmlns:a16="http://schemas.microsoft.com/office/drawing/2014/main" id="{C26208B2-0D10-4C23-B2DE-372A62E98644}"/>
               </a:ext>
             </a:extLst>
           </p:cNvPr>
-          <p:cNvSpPr>
-            <a:spLocks noGrp="1"/>
+          <p:cNvSpPr txBox="1">
+            <a:spLocks/>
           </p:cNvSpPr>
-          <p:nvPr>
-            <p:ph type="title"/>
-          </p:nvPr>
+          <p:nvPr/>
         </p:nvSpPr>
-        <p:spPr/>
+        <p:spPr>
+          <a:xfrm>
+            <a:off x="606830" y="1365772"/>
+            <a:ext cx="11395314" cy="3239002"/>
+          </a:xfrm>
+          <a:prstGeom prst="rect">
+            <a:avLst/>
+          </a:prstGeom>
+        </p:spPr>
         <p:txBody>
-          <a:bodyPr>
-            <a:normAutofit/>
+          <a:bodyPr vert="horz" lIns="91440" tIns="45720" rIns="91440" bIns="45720" rtlCol="0" anchor="ctr">
+            <a:normAutofit fontScale="92500"/>
           </a:bodyPr>
-          <a:lstStyle/>
-          <a:p>
-            <a:r>
-              <a:rPr lang="en-US" sz="2800" b="1" dirty="0"/>
-              <a:t>An Architecture for YANG-Push to Message Broker Integration</a:t>
-            </a:r>
-            <a:br>
-              <a:rPr lang="en-GB" sz="3600" dirty="0"/>
-            </a:br>
-            <a:r>
-              <a:rPr lang="en-GB" sz="2700" dirty="0">
+          <a:lstStyle>
+            <a:lvl1pPr algn="l" defTabSz="914400" rtl="0" eaLnBrk="1" latinLnBrk="0" hangingPunct="1">
+              <a:lnSpc>
+                <a:spcPct val="90000"/>
+              </a:lnSpc>
+              <a:spcBef>
+                <a:spcPct val="0"/>
+              </a:spcBef>
+              <a:buNone/>
+              <a:defRPr sz="4400" kern="1200">
                 <a:solidFill>
-                  <a:schemeClr val="bg2">
-                    <a:lumMod val="75000"/>
-                  </a:schemeClr>
+                  <a:schemeClr val="tx1"/>
                 </a:solidFill>
-              </a:rPr>
-              <a:t>Status, Summary and </a:t>
-            </a:r>
-            <a:r>
-              <a:rPr lang="en-US" sz="2700" dirty="0">
-                <a:solidFill>
-                  <a:schemeClr val="bg2">
-                    <a:lumMod val="75000"/>
-                  </a:schemeClr>
-                </a:solidFill>
-              </a:rPr>
-              <a:t>Next steps</a:t>
+                <a:latin typeface="+mj-lt"/>
+                <a:ea typeface="+mj-ea"/>
+                <a:cs typeface="+mj-cs"/>
+              </a:defRPr>
+            </a:lvl1pPr>
+          </a:lstStyle>
+          <a:p>
+            <a:r>
+              <a:rPr lang="en-US" sz="3400" b="1" dirty="0"/>
+              <a:t>Current Blocking Points</a:t>
+            </a:r>
+          </a:p>
+          <a:p>
+            <a:endParaRPr lang="en-US" sz="3400" b="1" dirty="0"/>
+          </a:p>
+          <a:p>
+            <a:pPr marL="457200" indent="-457200">
+              <a:spcBef>
+                <a:spcPts val="1200"/>
+              </a:spcBef>
+              <a:buFont typeface="Wingdings" panose="05000000000000000000" pitchFamily="2" charset="2"/>
+              <a:buChar char="Ø"/>
+            </a:pPr>
+            <a:r>
+              <a:rPr lang="en-US" sz="2800" dirty="0">
+                <a:ea typeface="Times New Roman" panose="02020603050405020304" pitchFamily="18" charset="0"/>
+                <a:hlinkClick r:id="rId2"/>
+              </a:rPr>
+              <a:t>draft-</a:t>
+            </a:r>
+            <a:r>
+              <a:rPr lang="en-US" sz="2800" dirty="0" err="1">
+                <a:ea typeface="Times New Roman" panose="02020603050405020304" pitchFamily="18" charset="0"/>
+                <a:hlinkClick r:id="rId2"/>
+              </a:rPr>
+              <a:t>netana</a:t>
+            </a:r>
+            <a:r>
+              <a:rPr lang="en-US" sz="2800" dirty="0">
+                <a:ea typeface="Times New Roman" panose="02020603050405020304" pitchFamily="18" charset="0"/>
+                <a:hlinkClick r:id="rId2"/>
+              </a:rPr>
+              <a:t>-netconf-</a:t>
+            </a:r>
+            <a:r>
+              <a:rPr lang="en-US" sz="2800" dirty="0" err="1">
+                <a:ea typeface="Times New Roman" panose="02020603050405020304" pitchFamily="18" charset="0"/>
+                <a:hlinkClick r:id="rId2"/>
+              </a:rPr>
+              <a:t>notif</a:t>
+            </a:r>
+            <a:r>
+              <a:rPr lang="en-US" sz="2800" dirty="0">
+                <a:ea typeface="Times New Roman" panose="02020603050405020304" pitchFamily="18" charset="0"/>
+                <a:hlinkClick r:id="rId2"/>
+              </a:rPr>
+              <a:t>-envelope</a:t>
+            </a:r>
+            <a:r>
+              <a:rPr lang="en-US" sz="2800" dirty="0">
+                <a:ea typeface="Times New Roman" panose="02020603050405020304" pitchFamily="18" charset="0"/>
+              </a:rPr>
+              <a:t> and </a:t>
+            </a:r>
+            <a:r>
+              <a:rPr lang="en-US" sz="2800" dirty="0">
+                <a:ea typeface="Times New Roman" panose="02020603050405020304" pitchFamily="18" charset="0"/>
+                <a:hlinkClick r:id="rId3"/>
+              </a:rPr>
+              <a:t>draft-</a:t>
+            </a:r>
+            <a:r>
+              <a:rPr lang="en-US" sz="2800" dirty="0" err="1">
+                <a:ea typeface="Times New Roman" panose="02020603050405020304" pitchFamily="18" charset="0"/>
+                <a:hlinkClick r:id="rId3"/>
+              </a:rPr>
+              <a:t>netana</a:t>
+            </a:r>
+            <a:r>
+              <a:rPr lang="en-US" sz="2800" dirty="0">
+                <a:ea typeface="Times New Roman" panose="02020603050405020304" pitchFamily="18" charset="0"/>
+                <a:hlinkClick r:id="rId3"/>
+              </a:rPr>
+              <a:t>-netconf-</a:t>
+            </a:r>
+            <a:r>
+              <a:rPr lang="en-US" sz="2800" dirty="0" err="1">
+                <a:ea typeface="Times New Roman" panose="02020603050405020304" pitchFamily="18" charset="0"/>
+                <a:hlinkClick r:id="rId3"/>
+              </a:rPr>
+              <a:t>yp</a:t>
+            </a:r>
+            <a:r>
+              <a:rPr lang="en-US" sz="2800" dirty="0">
+                <a:ea typeface="Times New Roman" panose="02020603050405020304" pitchFamily="18" charset="0"/>
+                <a:hlinkClick r:id="rId3"/>
+              </a:rPr>
+              <a:t>-transport-capabilities </a:t>
+            </a:r>
+            <a:r>
+              <a:rPr lang="en-US" sz="2800" dirty="0">
+                <a:ea typeface="Times New Roman" panose="02020603050405020304" pitchFamily="18" charset="0"/>
+              </a:rPr>
+              <a:t>implementations are underway but working group adoption is still pending. For reaching MVP 1 timeline, implementors are concerned about current working group progress. Without working group adoption call before IETF 122, authors are concerned that there isn't enough time to discuss normative changes before software commit windows are closing.</a:t>
             </a:r>
           </a:p>
         </p:txBody>
       </p:sp>
       <p:sp>
         <p:nvSpPr>
-          <p:cNvPr id="3" name="Content Placeholder 2">
+          <p:cNvPr id="2" name="Slide Number Placeholder 1">
             <a:extLst>
               <a:ext uri="{FF2B5EF4-FFF2-40B4-BE49-F238E27FC236}">
-                <a16:creationId xmlns:a16="http://schemas.microsoft.com/office/drawing/2014/main" id="{29C0DFD4-432D-4B0C-93DF-790441DCF5B9}"/>
-              </a:ext>
-            </a:extLst>
-          </p:cNvPr>
-          <p:cNvSpPr>
-            <a:spLocks noGrp="1"/>
-          </p:cNvSpPr>
-          <p:nvPr>
-            <p:ph idx="1"/>
-          </p:nvPr>
-        </p:nvSpPr>
-        <p:spPr>
-          <a:xfrm>
-            <a:off x="838200" y="1772816"/>
-            <a:ext cx="6660502" cy="4404148"/>
-          </a:xfrm>
-        </p:spPr>
-        <p:txBody>
-          <a:bodyPr>
-            <a:noAutofit/>
-          </a:bodyPr>
-          <a:lstStyle/>
-          <a:p>
-            <a:pPr marL="0" indent="0">
-              <a:buNone/>
-            </a:pPr>
-            <a:r>
-              <a:rPr lang="en-US" sz="1700" b="1" dirty="0">
-                <a:latin typeface="Calibri Body"/>
-              </a:rPr>
-              <a:t>Changes in -05</a:t>
-            </a:r>
-          </a:p>
-          <a:p>
-            <a:pPr>
-              <a:spcBef>
-                <a:spcPts val="0"/>
-              </a:spcBef>
-            </a:pPr>
-            <a:r>
-              <a:rPr lang="en-US" sz="1700" dirty="0">
-                <a:effectLst/>
-                <a:latin typeface="Calibri Body"/>
-                <a:ea typeface="Times New Roman" panose="02020603050405020304" pitchFamily="18" charset="0"/>
-              </a:rPr>
-              <a:t>Section 4.1 covers now</a:t>
-            </a:r>
-          </a:p>
-          <a:p>
-            <a:pPr lvl="1">
-              <a:spcBef>
-                <a:spcPts val="0"/>
-              </a:spcBef>
-            </a:pPr>
-            <a:r>
-              <a:rPr lang="en-US" sz="1700" u="sng" dirty="0">
-                <a:solidFill>
-                  <a:srgbClr val="0563C1"/>
-                </a:solidFill>
-                <a:effectLst/>
-                <a:latin typeface="Calibri Body"/>
-                <a:ea typeface="Times New Roman" panose="02020603050405020304" pitchFamily="18" charset="0"/>
-                <a:hlinkClick r:id="rId2"/>
-              </a:rPr>
-              <a:t>draft-</a:t>
-            </a:r>
-            <a:r>
-              <a:rPr lang="en-US" sz="1700" u="sng" dirty="0" err="1">
-                <a:solidFill>
-                  <a:srgbClr val="0563C1"/>
-                </a:solidFill>
-                <a:effectLst/>
-                <a:latin typeface="Calibri Body"/>
-                <a:ea typeface="Times New Roman" panose="02020603050405020304" pitchFamily="18" charset="0"/>
-                <a:hlinkClick r:id="rId2"/>
-              </a:rPr>
-              <a:t>netana</a:t>
-            </a:r>
-            <a:r>
-              <a:rPr lang="en-US" sz="1700" u="sng" dirty="0">
-                <a:solidFill>
-                  <a:srgbClr val="0563C1"/>
-                </a:solidFill>
-                <a:effectLst/>
-                <a:latin typeface="Calibri Body"/>
-                <a:ea typeface="Times New Roman" panose="02020603050405020304" pitchFamily="18" charset="0"/>
-                <a:hlinkClick r:id="rId2"/>
-              </a:rPr>
-              <a:t>-netconf-</a:t>
-            </a:r>
-            <a:r>
-              <a:rPr lang="en-US" sz="1700" u="sng" dirty="0" err="1">
-                <a:solidFill>
-                  <a:srgbClr val="0563C1"/>
-                </a:solidFill>
-                <a:effectLst/>
-                <a:latin typeface="Calibri Body"/>
-                <a:ea typeface="Times New Roman" panose="02020603050405020304" pitchFamily="18" charset="0"/>
-                <a:hlinkClick r:id="rId2"/>
-              </a:rPr>
-              <a:t>yp</a:t>
-            </a:r>
-            <a:r>
-              <a:rPr lang="en-US" sz="1700" u="sng" dirty="0">
-                <a:solidFill>
-                  <a:srgbClr val="0563C1"/>
-                </a:solidFill>
-                <a:effectLst/>
-                <a:latin typeface="Calibri Body"/>
-                <a:ea typeface="Times New Roman" panose="02020603050405020304" pitchFamily="18" charset="0"/>
-                <a:hlinkClick r:id="rId2"/>
-              </a:rPr>
-              <a:t>-transport-capabilities</a:t>
-            </a:r>
-            <a:r>
-              <a:rPr lang="en-US" sz="1700" dirty="0">
-                <a:effectLst/>
-                <a:latin typeface="Calibri Body"/>
-                <a:ea typeface="Times New Roman" panose="02020603050405020304" pitchFamily="18" charset="0"/>
-              </a:rPr>
-              <a:t> which helps the NETCONF, RESTCONF client performing YANG-Push subscription to discover the YANG-Push transport, encoding and security capabilities of the YANG-Push publisher.</a:t>
-            </a:r>
-          </a:p>
-          <a:p>
-            <a:pPr lvl="1">
-              <a:spcBef>
-                <a:spcPts val="0"/>
-              </a:spcBef>
-            </a:pPr>
-            <a:r>
-              <a:rPr lang="en-US" sz="1700" u="sng" dirty="0">
-                <a:solidFill>
-                  <a:srgbClr val="0563C1"/>
-                </a:solidFill>
-                <a:effectLst/>
-                <a:latin typeface="Calibri Body"/>
-                <a:ea typeface="Times New Roman" panose="02020603050405020304" pitchFamily="18" charset="0"/>
-                <a:hlinkClick r:id="rId3"/>
-              </a:rPr>
-              <a:t>draft-</a:t>
-            </a:r>
-            <a:r>
-              <a:rPr lang="en-US" sz="1700" u="sng" dirty="0" err="1">
-                <a:solidFill>
-                  <a:srgbClr val="0563C1"/>
-                </a:solidFill>
-                <a:effectLst/>
-                <a:latin typeface="Calibri Body"/>
-                <a:ea typeface="Times New Roman" panose="02020603050405020304" pitchFamily="18" charset="0"/>
-                <a:hlinkClick r:id="rId3"/>
-              </a:rPr>
-              <a:t>netana</a:t>
-            </a:r>
-            <a:r>
-              <a:rPr lang="en-US" sz="1700" u="sng" dirty="0">
-                <a:solidFill>
-                  <a:srgbClr val="0563C1"/>
-                </a:solidFill>
-                <a:effectLst/>
-                <a:latin typeface="Calibri Body"/>
-                <a:ea typeface="Times New Roman" panose="02020603050405020304" pitchFamily="18" charset="0"/>
-                <a:hlinkClick r:id="rId3"/>
-              </a:rPr>
-              <a:t>-netconf-</a:t>
-            </a:r>
-            <a:r>
-              <a:rPr lang="en-US" sz="1700" u="sng" dirty="0" err="1">
-                <a:solidFill>
-                  <a:srgbClr val="0563C1"/>
-                </a:solidFill>
-                <a:effectLst/>
-                <a:latin typeface="Calibri Body"/>
-                <a:ea typeface="Times New Roman" panose="02020603050405020304" pitchFamily="18" charset="0"/>
-                <a:hlinkClick r:id="rId3"/>
-              </a:rPr>
-              <a:t>notif</a:t>
-            </a:r>
-            <a:r>
-              <a:rPr lang="en-US" sz="1700" u="sng" dirty="0">
-                <a:solidFill>
-                  <a:srgbClr val="0563C1"/>
-                </a:solidFill>
-                <a:effectLst/>
-                <a:latin typeface="Calibri Body"/>
-                <a:ea typeface="Times New Roman" panose="02020603050405020304" pitchFamily="18" charset="0"/>
-                <a:hlinkClick r:id="rId3"/>
-              </a:rPr>
-              <a:t>-envelope</a:t>
-            </a:r>
-            <a:r>
-              <a:rPr lang="en-US" sz="1700" dirty="0">
-                <a:effectLst/>
-                <a:latin typeface="Calibri Body"/>
-                <a:ea typeface="Times New Roman" panose="02020603050405020304" pitchFamily="18" charset="0"/>
-              </a:rPr>
-              <a:t> defines a new extensible notification structure, defined in YANG, for use in YANG-Push Notification messages enabling any YANG compatible encodings such as XML, JSON or CBOR. Replaces and consolidates draft-</a:t>
-            </a:r>
-            <a:r>
-              <a:rPr lang="en-US" sz="1700" dirty="0" err="1">
-                <a:effectLst/>
-                <a:latin typeface="Calibri Body"/>
-                <a:ea typeface="Times New Roman" panose="02020603050405020304" pitchFamily="18" charset="0"/>
-              </a:rPr>
-              <a:t>ahuang</a:t>
-            </a:r>
-            <a:r>
-              <a:rPr lang="en-US" sz="1700" dirty="0">
-                <a:effectLst/>
-                <a:latin typeface="Calibri Body"/>
-                <a:ea typeface="Times New Roman" panose="02020603050405020304" pitchFamily="18" charset="0"/>
-              </a:rPr>
-              <a:t>-netconf-</a:t>
-            </a:r>
-            <a:r>
-              <a:rPr lang="en-US" sz="1700" dirty="0" err="1">
-                <a:effectLst/>
-                <a:latin typeface="Calibri Body"/>
-                <a:ea typeface="Times New Roman" panose="02020603050405020304" pitchFamily="18" charset="0"/>
-              </a:rPr>
-              <a:t>notif</a:t>
-            </a:r>
-            <a:r>
-              <a:rPr lang="en-US" sz="1700" dirty="0">
-                <a:effectLst/>
-                <a:latin typeface="Calibri Body"/>
-                <a:ea typeface="Times New Roman" panose="02020603050405020304" pitchFamily="18" charset="0"/>
-              </a:rPr>
-              <a:t>-yang and draft-</a:t>
-            </a:r>
-            <a:r>
-              <a:rPr lang="en-US" sz="1700" dirty="0" err="1">
-                <a:effectLst/>
-                <a:latin typeface="Calibri Body"/>
-                <a:ea typeface="Times New Roman" panose="02020603050405020304" pitchFamily="18" charset="0"/>
-              </a:rPr>
-              <a:t>tgraf</a:t>
-            </a:r>
-            <a:r>
-              <a:rPr lang="en-US" sz="1700" dirty="0">
-                <a:effectLst/>
-                <a:latin typeface="Calibri Body"/>
-                <a:ea typeface="Times New Roman" panose="02020603050405020304" pitchFamily="18" charset="0"/>
-              </a:rPr>
-              <a:t>-netconf-</a:t>
-            </a:r>
-            <a:r>
-              <a:rPr lang="en-US" sz="1700" dirty="0" err="1">
-                <a:effectLst/>
-                <a:latin typeface="Calibri Body"/>
-                <a:ea typeface="Times New Roman" panose="02020603050405020304" pitchFamily="18" charset="0"/>
-              </a:rPr>
-              <a:t>notif</a:t>
-            </a:r>
-            <a:r>
-              <a:rPr lang="en-US" sz="1700" dirty="0">
-                <a:effectLst/>
-                <a:latin typeface="Calibri Body"/>
-                <a:ea typeface="Times New Roman" panose="02020603050405020304" pitchFamily="18" charset="0"/>
-              </a:rPr>
-              <a:t>-sequencing based on the outcome of the last NETCONF interim.</a:t>
-            </a:r>
-          </a:p>
-          <a:p>
-            <a:pPr>
-              <a:spcBef>
-                <a:spcPts val="0"/>
-              </a:spcBef>
-            </a:pPr>
-            <a:r>
-              <a:rPr lang="en-US" sz="1700" dirty="0">
-                <a:effectLst/>
-                <a:latin typeface="Calibri Body"/>
-                <a:ea typeface="Times New Roman" panose="02020603050405020304" pitchFamily="18" charset="0"/>
-              </a:rPr>
-              <a:t>Milestones for IETF 121 and 122 have been added.</a:t>
-            </a:r>
-          </a:p>
-          <a:p>
-            <a:pPr>
-              <a:spcBef>
-                <a:spcPts val="0"/>
-              </a:spcBef>
-            </a:pPr>
-            <a:r>
-              <a:rPr lang="en-US" sz="1700" dirty="0">
-                <a:effectLst/>
-                <a:latin typeface="Calibri Body"/>
-                <a:ea typeface="Times New Roman" panose="02020603050405020304" pitchFamily="18" charset="0"/>
-              </a:rPr>
-              <a:t>Open Points and YANG-Push notification examples have been updated reflecting the changes from </a:t>
-            </a:r>
-            <a:r>
-              <a:rPr lang="en-US" sz="1700" u="sng" dirty="0">
-                <a:solidFill>
-                  <a:srgbClr val="0563C1"/>
-                </a:solidFill>
-                <a:effectLst/>
-                <a:latin typeface="Calibri Body"/>
-                <a:ea typeface="Times New Roman" panose="02020603050405020304" pitchFamily="18" charset="0"/>
-                <a:hlinkClick r:id="rId2"/>
-              </a:rPr>
-              <a:t>draft-</a:t>
-            </a:r>
-            <a:r>
-              <a:rPr lang="en-US" sz="1700" u="sng" dirty="0" err="1">
-                <a:solidFill>
-                  <a:srgbClr val="0563C1"/>
-                </a:solidFill>
-                <a:effectLst/>
-                <a:latin typeface="Calibri Body"/>
-                <a:ea typeface="Times New Roman" panose="02020603050405020304" pitchFamily="18" charset="0"/>
-                <a:hlinkClick r:id="rId2"/>
-              </a:rPr>
-              <a:t>netana</a:t>
-            </a:r>
-            <a:r>
-              <a:rPr lang="en-US" sz="1700" u="sng" dirty="0">
-                <a:solidFill>
-                  <a:srgbClr val="0563C1"/>
-                </a:solidFill>
-                <a:effectLst/>
-                <a:latin typeface="Calibri Body"/>
-                <a:ea typeface="Times New Roman" panose="02020603050405020304" pitchFamily="18" charset="0"/>
-                <a:hlinkClick r:id="rId2"/>
-              </a:rPr>
-              <a:t>-netconf-</a:t>
-            </a:r>
-            <a:r>
-              <a:rPr lang="en-US" sz="1700" u="sng" dirty="0" err="1">
-                <a:solidFill>
-                  <a:srgbClr val="0563C1"/>
-                </a:solidFill>
-                <a:effectLst/>
-                <a:latin typeface="Calibri Body"/>
-                <a:ea typeface="Times New Roman" panose="02020603050405020304" pitchFamily="18" charset="0"/>
-                <a:hlinkClick r:id="rId2"/>
-              </a:rPr>
-              <a:t>yp</a:t>
-            </a:r>
-            <a:r>
-              <a:rPr lang="en-US" sz="1700" u="sng" dirty="0">
-                <a:solidFill>
-                  <a:srgbClr val="0563C1"/>
-                </a:solidFill>
-                <a:effectLst/>
-                <a:latin typeface="Calibri Body"/>
-                <a:ea typeface="Times New Roman" panose="02020603050405020304" pitchFamily="18" charset="0"/>
-                <a:hlinkClick r:id="rId2"/>
-              </a:rPr>
-              <a:t>-transport-capabilities</a:t>
-            </a:r>
-            <a:r>
-              <a:rPr lang="en-US" sz="1700" dirty="0">
-                <a:effectLst/>
-                <a:latin typeface="Calibri Body"/>
-                <a:ea typeface="Times New Roman" panose="02020603050405020304" pitchFamily="18" charset="0"/>
-              </a:rPr>
-              <a:t> and</a:t>
-            </a:r>
-            <a:r>
-              <a:rPr lang="en-US" sz="1700" u="sng" dirty="0">
-                <a:solidFill>
-                  <a:srgbClr val="0563C1"/>
-                </a:solidFill>
-                <a:effectLst/>
-                <a:latin typeface="Calibri Body"/>
-                <a:ea typeface="Times New Roman" panose="02020603050405020304" pitchFamily="18" charset="0"/>
-                <a:hlinkClick r:id="rId3"/>
-              </a:rPr>
-              <a:t> draft-</a:t>
-            </a:r>
-            <a:r>
-              <a:rPr lang="en-US" sz="1700" u="sng" dirty="0" err="1">
-                <a:solidFill>
-                  <a:srgbClr val="0563C1"/>
-                </a:solidFill>
-                <a:effectLst/>
-                <a:latin typeface="Calibri Body"/>
-                <a:ea typeface="Times New Roman" panose="02020603050405020304" pitchFamily="18" charset="0"/>
-                <a:hlinkClick r:id="rId3"/>
-              </a:rPr>
-              <a:t>netana</a:t>
-            </a:r>
-            <a:r>
-              <a:rPr lang="en-US" sz="1700" u="sng" dirty="0">
-                <a:solidFill>
-                  <a:srgbClr val="0563C1"/>
-                </a:solidFill>
-                <a:effectLst/>
-                <a:latin typeface="Calibri Body"/>
-                <a:ea typeface="Times New Roman" panose="02020603050405020304" pitchFamily="18" charset="0"/>
-                <a:hlinkClick r:id="rId3"/>
-              </a:rPr>
-              <a:t>-netconf-</a:t>
-            </a:r>
-            <a:r>
-              <a:rPr lang="en-US" sz="1700" u="sng" dirty="0" err="1">
-                <a:solidFill>
-                  <a:srgbClr val="0563C1"/>
-                </a:solidFill>
-                <a:effectLst/>
-                <a:latin typeface="Calibri Body"/>
-                <a:ea typeface="Times New Roman" panose="02020603050405020304" pitchFamily="18" charset="0"/>
-                <a:hlinkClick r:id="rId3"/>
-              </a:rPr>
-              <a:t>notif</a:t>
-            </a:r>
-            <a:r>
-              <a:rPr lang="en-US" sz="1700" u="sng" dirty="0">
-                <a:solidFill>
-                  <a:srgbClr val="0563C1"/>
-                </a:solidFill>
-                <a:effectLst/>
-                <a:latin typeface="Calibri Body"/>
-                <a:ea typeface="Times New Roman" panose="02020603050405020304" pitchFamily="18" charset="0"/>
-                <a:hlinkClick r:id="rId3"/>
-              </a:rPr>
-              <a:t>-envelope</a:t>
-            </a:r>
-            <a:r>
-              <a:rPr lang="en-US" sz="1700" dirty="0">
-                <a:effectLst/>
-                <a:latin typeface="Calibri Body"/>
-                <a:ea typeface="Times New Roman" panose="02020603050405020304" pitchFamily="18" charset="0"/>
-              </a:rPr>
-              <a:t>.</a:t>
-            </a:r>
-          </a:p>
-          <a:p>
-            <a:pPr marL="0" indent="0">
-              <a:buNone/>
-            </a:pPr>
-            <a:r>
-              <a:rPr lang="en-US" sz="1700" b="1" dirty="0">
-                <a:latin typeface="Calibri Body"/>
-              </a:rPr>
-              <a:t>Next Steps</a:t>
-            </a:r>
-          </a:p>
-          <a:p>
-            <a:pPr>
-              <a:spcBef>
-                <a:spcPts val="300"/>
-              </a:spcBef>
-              <a:buFont typeface="Wingdings" panose="05000000000000000000" pitchFamily="2" charset="2"/>
-              <a:buChar char="Ø"/>
-            </a:pPr>
-            <a:r>
-              <a:rPr lang="en-US" sz="1700" b="1" dirty="0">
-                <a:solidFill>
-                  <a:srgbClr val="FF0000"/>
-                </a:solidFill>
-                <a:latin typeface="Calibri Body"/>
-              </a:rPr>
-              <a:t>Looking forward for review and comments.</a:t>
-            </a:r>
-          </a:p>
-        </p:txBody>
-      </p:sp>
-      <p:sp>
-        <p:nvSpPr>
-          <p:cNvPr id="8" name="Slide Number Placeholder 1">
-            <a:extLst>
-              <a:ext uri="{FF2B5EF4-FFF2-40B4-BE49-F238E27FC236}">
-                <a16:creationId xmlns:a16="http://schemas.microsoft.com/office/drawing/2014/main" id="{F03D7BF8-F90A-4F8C-8FCE-B1DB1DEC687A}"/>
+                <a16:creationId xmlns:a16="http://schemas.microsoft.com/office/drawing/2014/main" id="{AD23057C-339A-4254-8994-8EB77B8B4163}"/>
               </a:ext>
             </a:extLst>
           </p:cNvPr>
@@ -10818,159 +11395,17 @@
           <a:lstStyle/>
           <a:p>
             <a:fld id="{FC4AC485-25DE-431E-B345-9C0A15BB7F8A}" type="slidenum">
-              <a:rPr lang="de-CH" sz="1400" smtClean="0"/>
+              <a:rPr lang="de-CH" sz="2200" smtClean="0"/>
               <a:t>9</a:t>
             </a:fld>
-            <a:endParaRPr lang="de-CH" sz="1400" dirty="0"/>
-          </a:p>
-        </p:txBody>
-      </p:sp>
-      <p:pic>
-        <p:nvPicPr>
-          <p:cNvPr id="4" name="Picture 3">
-            <a:extLst>
-              <a:ext uri="{FF2B5EF4-FFF2-40B4-BE49-F238E27FC236}">
-                <a16:creationId xmlns:a16="http://schemas.microsoft.com/office/drawing/2014/main" id="{3F6FE370-7B96-20ED-12F6-496CEBE7C7B7}"/>
-              </a:ext>
-            </a:extLst>
-          </p:cNvPr>
-          <p:cNvPicPr>
-            <a:picLocks noChangeAspect="1"/>
-          </p:cNvPicPr>
-          <p:nvPr/>
-        </p:nvPicPr>
-        <p:blipFill>
-          <a:blip r:embed="rId4"/>
-          <a:stretch>
-            <a:fillRect/>
-          </a:stretch>
-        </p:blipFill>
-        <p:spPr>
-          <a:xfrm>
-            <a:off x="7739406" y="1289625"/>
-            <a:ext cx="3855098" cy="5288403"/>
-          </a:xfrm>
-          <a:prstGeom prst="rect">
-            <a:avLst/>
-          </a:prstGeom>
-        </p:spPr>
-      </p:pic>
-      <p:sp>
-        <p:nvSpPr>
-          <p:cNvPr id="5" name="Oval 4">
-            <a:extLst>
-              <a:ext uri="{FF2B5EF4-FFF2-40B4-BE49-F238E27FC236}">
-                <a16:creationId xmlns:a16="http://schemas.microsoft.com/office/drawing/2014/main" id="{A9CD1D68-6740-B60A-B5C6-3012DD46A668}"/>
-              </a:ext>
-            </a:extLst>
-          </p:cNvPr>
-          <p:cNvSpPr/>
-          <p:nvPr/>
-        </p:nvSpPr>
-        <p:spPr>
-          <a:xfrm>
-            <a:off x="8988225" y="5700304"/>
-            <a:ext cx="678730" cy="650450"/>
-          </a:xfrm>
-          <a:prstGeom prst="ellipse">
-            <a:avLst/>
-          </a:prstGeom>
-          <a:solidFill>
-            <a:srgbClr val="FF0000">
-              <a:alpha val="20000"/>
-            </a:srgbClr>
-          </a:solidFill>
-          <a:ln>
-            <a:solidFill>
-              <a:srgbClr val="FF0000"/>
-            </a:solidFill>
-          </a:ln>
-        </p:spPr>
-        <p:style>
-          <a:lnRef idx="2">
-            <a:schemeClr val="accent1">
-              <a:shade val="50000"/>
-            </a:schemeClr>
-          </a:lnRef>
-          <a:fillRef idx="1">
-            <a:schemeClr val="accent1"/>
-          </a:fillRef>
-          <a:effectRef idx="0">
-            <a:schemeClr val="accent1"/>
-          </a:effectRef>
-          <a:fontRef idx="minor">
-            <a:schemeClr val="lt1"/>
-          </a:fontRef>
-        </p:style>
-        <p:txBody>
-          <a:bodyPr rtlCol="0" anchor="ctr"/>
-          <a:lstStyle/>
-          <a:p>
-            <a:pPr algn="ctr"/>
-            <a:endParaRPr lang="de-CH"/>
-          </a:p>
-        </p:txBody>
-      </p:sp>
-      <p:sp>
-        <p:nvSpPr>
-          <p:cNvPr id="7" name="Oval 6">
-            <a:extLst>
-              <a:ext uri="{FF2B5EF4-FFF2-40B4-BE49-F238E27FC236}">
-                <a16:creationId xmlns:a16="http://schemas.microsoft.com/office/drawing/2014/main" id="{F1861884-AA79-8041-A708-D4652D546A08}"/>
-              </a:ext>
-            </a:extLst>
-          </p:cNvPr>
-          <p:cNvSpPr/>
-          <p:nvPr/>
-        </p:nvSpPr>
-        <p:spPr>
-          <a:xfrm>
-            <a:off x="10437609" y="5085368"/>
-            <a:ext cx="678730" cy="650450"/>
-          </a:xfrm>
-          <a:prstGeom prst="ellipse">
-            <a:avLst/>
-          </a:prstGeom>
-          <a:solidFill>
-            <a:srgbClr val="FF0000">
-              <a:alpha val="20000"/>
-            </a:srgbClr>
-          </a:solidFill>
-          <a:ln>
-            <a:solidFill>
-              <a:srgbClr val="FF0000"/>
-            </a:solidFill>
-          </a:ln>
-        </p:spPr>
-        <p:style>
-          <a:lnRef idx="2">
-            <a:schemeClr val="accent1">
-              <a:shade val="50000"/>
-            </a:schemeClr>
-          </a:lnRef>
-          <a:fillRef idx="1">
-            <a:schemeClr val="accent1"/>
-          </a:fillRef>
-          <a:effectRef idx="0">
-            <a:schemeClr val="accent1"/>
-          </a:effectRef>
-          <a:fontRef idx="minor">
-            <a:schemeClr val="lt1"/>
-          </a:fontRef>
-        </p:style>
-        <p:txBody>
-          <a:bodyPr rtlCol="0" anchor="ctr"/>
-          <a:lstStyle/>
-          <a:p>
-            <a:pPr algn="ctr"/>
-            <a:endParaRPr lang="de-CH"/>
+            <a:endParaRPr lang="de-CH" sz="2200" dirty="0"/>
           </a:p>
         </p:txBody>
       </p:sp>
     </p:spTree>
     <p:extLst>
       <p:ext uri="{BB962C8B-B14F-4D97-AF65-F5344CB8AC3E}">
-        <p14:creationId xmlns:p14="http://schemas.microsoft.com/office/powerpoint/2010/main" val="2617504443"/>
+        <p14:creationId xmlns:p14="http://schemas.microsoft.com/office/powerpoint/2010/main" val="2551479504"/>
       </p:ext>
     </p:extLst>
   </p:cSld>

--- a/122/NETCONF/netconf-nmop-interim-draft-ietf-nmop-yang-message-broker-integration-06.pptx
+++ b/122/NETCONF/netconf-nmop-interim-draft-ietf-nmop-yang-message-broker-integration-06.pptx
@@ -139,7 +139,7 @@
   <pc:docChgLst>
     <pc:chgData name="Graf Thomas, INI-NET-VNC-E2E" userId="487bc3e3-9ce7-4cdd-b7b4-8899ea88d289" providerId="ADAL" clId="{7E675CCB-07F9-44C0-BAAC-BD9446840455}"/>
     <pc:docChg chg="undo custSel addSld delSld modSld sldOrd">
-      <pc:chgData name="Graf Thomas, INI-NET-VNC-E2E" userId="487bc3e3-9ce7-4cdd-b7b4-8899ea88d289" providerId="ADAL" clId="{7E675CCB-07F9-44C0-BAAC-BD9446840455}" dt="2025-02-10T09:57:24.125" v="3758" actId="20577"/>
+      <pc:chgData name="Graf Thomas, INI-NET-VNC-E2E" userId="487bc3e3-9ce7-4cdd-b7b4-8899ea88d289" providerId="ADAL" clId="{7E675CCB-07F9-44C0-BAAC-BD9446840455}" dt="2025-02-10T12:26:04.217" v="3834" actId="20577"/>
       <pc:docMkLst>
         <pc:docMk/>
       </pc:docMkLst>
@@ -691,13 +691,13 @@
         </pc:spChg>
       </pc:sldChg>
       <pc:sldChg chg="modSp add mod ord">
-        <pc:chgData name="Graf Thomas, INI-NET-VNC-E2E" userId="487bc3e3-9ce7-4cdd-b7b4-8899ea88d289" providerId="ADAL" clId="{7E675CCB-07F9-44C0-BAAC-BD9446840455}" dt="2025-02-10T09:55:05.366" v="3725" actId="20577"/>
+        <pc:chgData name="Graf Thomas, INI-NET-VNC-E2E" userId="487bc3e3-9ce7-4cdd-b7b4-8899ea88d289" providerId="ADAL" clId="{7E675CCB-07F9-44C0-BAAC-BD9446840455}" dt="2025-02-10T12:26:04.217" v="3834" actId="20577"/>
         <pc:sldMkLst>
           <pc:docMk/>
           <pc:sldMk cId="2551479504" sldId="2145706277"/>
         </pc:sldMkLst>
         <pc:spChg chg="mod">
-          <ac:chgData name="Graf Thomas, INI-NET-VNC-E2E" userId="487bc3e3-9ce7-4cdd-b7b4-8899ea88d289" providerId="ADAL" clId="{7E675CCB-07F9-44C0-BAAC-BD9446840455}" dt="2025-02-10T09:55:05.366" v="3725" actId="20577"/>
+          <ac:chgData name="Graf Thomas, INI-NET-VNC-E2E" userId="487bc3e3-9ce7-4cdd-b7b4-8899ea88d289" providerId="ADAL" clId="{7E675CCB-07F9-44C0-BAAC-BD9446840455}" dt="2025-02-10T12:26:04.217" v="3834" actId="20577"/>
           <ac:spMkLst>
             <pc:docMk/>
             <pc:sldMk cId="2551479504" sldId="2145706277"/>
@@ -11245,7 +11245,7 @@
         </p:spPr>
         <p:txBody>
           <a:bodyPr vert="horz" lIns="91440" tIns="45720" rIns="91440" bIns="45720" rtlCol="0" anchor="ctr">
-            <a:normAutofit fontScale="92500"/>
+            <a:normAutofit fontScale="92500" lnSpcReduction="10000"/>
           </a:bodyPr>
           <a:lstStyle>
             <a:lvl1pPr algn="l" defTabSz="914400" rtl="0" eaLnBrk="1" latinLnBrk="0" hangingPunct="1">
@@ -11363,7 +11363,19 @@
               <a:rPr lang="en-US" sz="2800" dirty="0">
                 <a:ea typeface="Times New Roman" panose="02020603050405020304" pitchFamily="18" charset="0"/>
               </a:rPr>
-              <a:t>implementations are underway but working group adoption is still pending. For reaching MVP 1 timeline, implementors are concerned about current working group progress. Without working group adoption call before IETF 122, authors are concerned that there isn't enough time to discuss normative changes before software commit windows are closing.</a:t>
+              <a:t>implementations are underway but working group adoption is still pending. For reaching MVP 1 timeline (Q4 2025), implementors are concerned about current working group progress. Without working group adoption call before IETF 122, authors are concerned that there isn't enough time to discuss normative changes before software commit windows are closing. MVP 2 and 3 are scheduled </a:t>
+            </a:r>
+            <a:r>
+              <a:rPr lang="en-US" sz="2800">
+                <a:ea typeface="Times New Roman" panose="02020603050405020304" pitchFamily="18" charset="0"/>
+              </a:rPr>
+              <a:t>for in Q2 </a:t>
+            </a:r>
+            <a:r>
+              <a:rPr lang="en-US" sz="2800" dirty="0">
+                <a:ea typeface="Times New Roman" panose="02020603050405020304" pitchFamily="18" charset="0"/>
+              </a:rPr>
+              <a:t>resp. Q4 2026.</a:t>
             </a:r>
           </a:p>
         </p:txBody>
